--- a/Project 1 - WorldVisitz Mobile Application Agile Delivery Launch/WorldVisitz-Agile-Onboarding-SalmaAttia.pptx
+++ b/Project 1 - WorldVisitz Mobile Application Agile Delivery Launch/WorldVisitz-Agile-Onboarding-SalmaAttia.pptx
@@ -1492,7 +1492,11 @@
               </a:spcAft>
               <a:buNone/>
             </a:pPr>
-            <a:endParaRPr/>
+            <a:r>
+              <a:rPr lang="en-US" dirty="0"/>
+              <a:t>Our recommendation is a Burndown or Velocity chart. This radiator gives a quantitative picture of how the team is progressing toward completing the sprint goal. It shows if we're on track, ahead, or behind. It also helps in forecasting and planning future sprints more realistically. For stakeholders, it's a powerful visual that communicates progress at a glance</a:t>
+            </a:r>
+            <a:endParaRPr dirty="0"/>
           </a:p>
         </p:txBody>
       </p:sp>
@@ -1596,7 +1600,26 @@
               </a:spcAft>
               <a:buNone/>
             </a:pPr>
-            <a:endParaRPr/>
+            <a:r>
+              <a:rPr lang="en-US" dirty="0"/>
+              <a:t>The Daily Scrum is a quick team sync held every morning. It’s not a status report—it's a coordination meeting. The goal is to surface blockers and align on progress. Time-boxed to 15 minutes to keep it focused and energizing.</a:t>
+            </a:r>
+          </a:p>
+          <a:p>
+            <a:pPr marL="0" lvl="0" indent="0" algn="l" rtl="0">
+              <a:spcBef>
+                <a:spcPts val="0"/>
+              </a:spcBef>
+              <a:spcAft>
+                <a:spcPts val="0"/>
+              </a:spcAft>
+              <a:buNone/>
+            </a:pPr>
+            <a:r>
+              <a:rPr lang="en-US" dirty="0"/>
+              <a:t>Sprint Planning kicks off the sprint. The Product Owner presents the top-priority items from the backlog. The team then discusses what they can realistically commit to. We define a Sprint Goal to stay focused and aligned.</a:t>
+            </a:r>
+            <a:endParaRPr dirty="0"/>
           </a:p>
         </p:txBody>
       </p:sp>
@@ -1718,7 +1741,49 @@
               </a:spcAft>
               <a:buNone/>
             </a:pPr>
-            <a:endParaRPr/>
+            <a:r>
+              <a:rPr lang="en-US" dirty="0"/>
+              <a:t>The Sprint Review is a chance to showcase completed work to stakeholders. It’s collaborative—stakeholders give feedback, which may influence the next sprint. It keeps development transparent and customer-focused.</a:t>
+            </a:r>
+          </a:p>
+          <a:p>
+            <a:pPr marL="0" lvl="0" indent="0" algn="l" rtl="0">
+              <a:spcBef>
+                <a:spcPts val="0"/>
+              </a:spcBef>
+              <a:spcAft>
+                <a:spcPts val="0"/>
+              </a:spcAft>
+              <a:buNone/>
+            </a:pPr>
+            <a:r>
+              <a:rPr lang="en-US" dirty="0"/>
+              <a:t>The Retrospective is our team’s safe space to reflect. We talk openly about what worked and what didn’t. The most important part is identifying </a:t>
+            </a:r>
+            <a:r>
+              <a:rPr lang="en-US" b="1" dirty="0"/>
+              <a:t>actionable improvements</a:t>
+            </a:r>
+            <a:r>
+              <a:rPr lang="en-US" dirty="0"/>
+              <a:t> for the next sprint. This is how we grow as a team.</a:t>
+            </a:r>
+          </a:p>
+          <a:p>
+            <a:pPr marL="0" lvl="0" indent="0" algn="l" rtl="0">
+              <a:spcBef>
+                <a:spcPts val="0"/>
+              </a:spcBef>
+              <a:spcAft>
+                <a:spcPts val="0"/>
+              </a:spcAft>
+              <a:buNone/>
+            </a:pPr>
+            <a:r>
+              <a:rPr lang="en-US" dirty="0"/>
+              <a:t>These ceremonies create rhythm and predictability, helping Agile teams stay aligned and continuously improve. By sticking to this schedule and using each ceremony purposefully, we maintain transparency, adapt quickly, and deliver value consistently.</a:t>
+            </a:r>
+            <a:endParaRPr dirty="0"/>
           </a:p>
         </p:txBody>
       </p:sp>
@@ -21363,7 +21428,7 @@
           <p:nvPr>
             <p:extLst>
               <p:ext uri="{D42A27DB-BD31-4B8C-83A1-F6EECF244321}">
-                <p14:modId xmlns:p14="http://schemas.microsoft.com/office/powerpoint/2010/main" val="2284310778"/>
+                <p14:modId xmlns:p14="http://schemas.microsoft.com/office/powerpoint/2010/main" val="1585381889"/>
               </p:ext>
             </p:extLst>
           </p:nvPr>
@@ -21481,14 +21546,14 @@
                     <a:lstStyle/>
                     <a:p>
                       <a:r>
-                        <a:rPr lang="en-US" sz="1000" b="1">
+                        <a:rPr lang="en-US" sz="1000" b="1" dirty="0">
                           <a:solidFill>
                             <a:srgbClr val="000000"/>
                           </a:solidFill>
                         </a:rPr>
                         <a:t>1. Sprint Burndown Chart</a:t>
                       </a:r>
-                      <a:endParaRPr lang="en-US" sz="1000">
+                      <a:endParaRPr lang="en-US" sz="1000" dirty="0">
                         <a:solidFill>
                           <a:srgbClr val="000000"/>
                         </a:solidFill>

--- a/Project 1 - WorldVisitz Mobile Application Agile Delivery Launch/WorldVisitz-Agile-Onboarding-SalmaAttia.pptx
+++ b/Project 1 - WorldVisitz Mobile Application Agile Delivery Launch/WorldVisitz-Agile-Onboarding-SalmaAttia.pptx
@@ -6,7 +6,7 @@
     <p:sldMasterId id="2147483676" r:id="rId2"/>
   </p:sldMasterIdLst>
   <p:notesMasterIdLst>
-    <p:notesMasterId r:id="rId14"/>
+    <p:notesMasterId r:id="rId15"/>
   </p:notesMasterIdLst>
   <p:sldIdLst>
     <p:sldId id="256" r:id="rId3"/>
@@ -19,10 +19,11 @@
     <p:sldId id="263" r:id="rId10"/>
     <p:sldId id="264" r:id="rId11"/>
     <p:sldId id="265" r:id="rId12"/>
-    <p:sldId id="266" r:id="rId13"/>
+    <p:sldId id="268" r:id="rId13"/>
+    <p:sldId id="266" r:id="rId14"/>
   </p:sldIdLst>
   <p:sldSz cx="9144000" cy="5143500" type="screen16x9"/>
-  <p:notesSz cx="6858000" cy="9144000"/>
+  <p:notesSz cx="7315200" cy="9601200"/>
   <p:defaultTextStyle>
     <a:defPPr marR="0" lvl="0" algn="l" rtl="0">
       <a:lnSpc>
@@ -305,8 +306,8 @@
         </p:nvSpPr>
         <p:spPr>
           <a:xfrm>
-            <a:off x="381300" y="685800"/>
-            <a:ext cx="6096075" cy="3429000"/>
+            <a:off x="457200" y="720725"/>
+            <a:ext cx="6400800" cy="3600450"/>
           </a:xfrm>
           <a:custGeom>
             <a:avLst/>
@@ -356,8 +357,8 @@
         </p:nvSpPr>
         <p:spPr>
           <a:xfrm>
-            <a:off x="685800" y="4343400"/>
-            <a:ext cx="5486400" cy="4114800"/>
+            <a:off x="731520" y="4560570"/>
+            <a:ext cx="5852160" cy="4320540"/>
           </a:xfrm>
           <a:prstGeom prst="rect">
             <a:avLst/>
@@ -368,7 +369,7 @@
           </a:ln>
         </p:spPr>
         <p:txBody>
-          <a:bodyPr spcFirstLastPara="1" wrap="square" lIns="91425" tIns="91425" rIns="91425" bIns="91425" anchor="t" anchorCtr="0">
+          <a:bodyPr spcFirstLastPara="1" wrap="square" lIns="96645" tIns="96645" rIns="96645" bIns="96645" anchor="t" anchorCtr="0">
             <a:noAutofit/>
           </a:bodyPr>
           <a:lstStyle>
@@ -741,8 +742,8 @@
         </p:nvSpPr>
         <p:spPr>
           <a:xfrm>
-            <a:off x="914400" y="4343400"/>
-            <a:ext cx="5029200" cy="4114800"/>
+            <a:off x="975360" y="4560570"/>
+            <a:ext cx="5364480" cy="4320540"/>
           </a:xfrm>
           <a:prstGeom prst="rect">
             <a:avLst/>
@@ -753,18 +754,12 @@
           </a:ln>
         </p:spPr>
         <p:txBody>
-          <a:bodyPr spcFirstLastPara="1" wrap="square" lIns="91425" tIns="91425" rIns="91425" bIns="91425" anchor="ctr" anchorCtr="0">
+          <a:bodyPr spcFirstLastPara="1" wrap="square" lIns="96645" tIns="96645" rIns="96645" bIns="96645" anchor="ctr" anchorCtr="0">
             <a:noAutofit/>
           </a:bodyPr>
           <a:lstStyle/>
           <a:p>
-            <a:pPr marL="0" lvl="0" indent="0" algn="l" rtl="0">
-              <a:spcBef>
-                <a:spcPts val="0"/>
-              </a:spcBef>
-              <a:spcAft>
-                <a:spcPts val="0"/>
-              </a:spcAft>
+            <a:pPr marL="0" indent="0">
               <a:buNone/>
             </a:pPr>
             <a:endParaRPr/>
@@ -783,8 +778,8 @@
         </p:nvSpPr>
         <p:spPr>
           <a:xfrm>
-            <a:off x="381000" y="685800"/>
-            <a:ext cx="6096000" cy="3429000"/>
+            <a:off x="457200" y="720725"/>
+            <a:ext cx="6400800" cy="3600450"/>
           </a:xfrm>
           <a:custGeom>
             <a:avLst/>
@@ -849,8 +844,8 @@
         </p:nvSpPr>
         <p:spPr>
           <a:xfrm>
-            <a:off x="381000" y="685800"/>
-            <a:ext cx="6096000" cy="3429000"/>
+            <a:off x="457200" y="720725"/>
+            <a:ext cx="6400800" cy="3600450"/>
           </a:xfrm>
           <a:custGeom>
             <a:avLst/>
@@ -890,26 +885,20 @@
         </p:nvSpPr>
         <p:spPr>
           <a:xfrm>
-            <a:off x="685800" y="4343400"/>
-            <a:ext cx="5486400" cy="4114800"/>
+            <a:off x="731520" y="4560570"/>
+            <a:ext cx="5852160" cy="4320540"/>
           </a:xfrm>
           <a:prstGeom prst="rect">
             <a:avLst/>
           </a:prstGeom>
         </p:spPr>
         <p:txBody>
-          <a:bodyPr spcFirstLastPara="1" wrap="square" lIns="91425" tIns="91425" rIns="91425" bIns="91425" anchor="t" anchorCtr="0">
+          <a:bodyPr spcFirstLastPara="1" wrap="square" lIns="96645" tIns="96645" rIns="96645" bIns="96645" anchor="t" anchorCtr="0">
             <a:noAutofit/>
           </a:bodyPr>
           <a:lstStyle/>
           <a:p>
-            <a:pPr marL="0" lvl="0" indent="0" algn="l" rtl="0">
-              <a:spcBef>
-                <a:spcPts val="0"/>
-              </a:spcBef>
-              <a:spcAft>
-                <a:spcPts val="0"/>
-              </a:spcAft>
+            <a:pPr marL="0" indent="0">
               <a:buNone/>
             </a:pPr>
             <a:endParaRPr/>
@@ -925,6 +914,127 @@
 </file>
 
 <file path=ppt/notesSlides/notesSlide11.xml><?xml version="1.0" encoding="utf-8"?>
+<p:notes xmlns:a="http://schemas.openxmlformats.org/drawingml/2006/main" xmlns:r="http://schemas.openxmlformats.org/officeDocument/2006/relationships" xmlns:p="http://schemas.openxmlformats.org/presentationml/2006/main" showMasterSp="0" showMasterPhAnim="0">
+  <p:cSld>
+    <p:spTree>
+      <p:nvGrpSpPr>
+        <p:cNvPr id="1" name="Shape 190">
+          <a:extLst>
+            <a:ext uri="{FF2B5EF4-FFF2-40B4-BE49-F238E27FC236}">
+              <a16:creationId xmlns:a16="http://schemas.microsoft.com/office/drawing/2014/main" id="{787DF08E-854B-9D6F-9CAE-4D79AD78FEA5}"/>
+            </a:ext>
+          </a:extLst>
+        </p:cNvPr>
+        <p:cNvGrpSpPr/>
+        <p:nvPr/>
+      </p:nvGrpSpPr>
+      <p:grpSpPr>
+        <a:xfrm>
+          <a:off x="0" y="0"/>
+          <a:ext cx="0" cy="0"/>
+          <a:chOff x="0" y="0"/>
+          <a:chExt cx="0" cy="0"/>
+        </a:xfrm>
+      </p:grpSpPr>
+      <p:sp>
+        <p:nvSpPr>
+          <p:cNvPr id="191" name="Google Shape;191;g151e57a7178_0_40:notes">
+            <a:extLst>
+              <a:ext uri="{FF2B5EF4-FFF2-40B4-BE49-F238E27FC236}">
+                <a16:creationId xmlns:a16="http://schemas.microsoft.com/office/drawing/2014/main" id="{DCFD3F56-5AFD-CD9F-090A-FD282E5D55DA}"/>
+              </a:ext>
+            </a:extLst>
+          </p:cNvPr>
+          <p:cNvSpPr>
+            <a:spLocks noGrp="1" noRot="1" noChangeAspect="1"/>
+          </p:cNvSpPr>
+          <p:nvPr>
+            <p:ph type="sldImg" idx="2"/>
+          </p:nvPr>
+        </p:nvSpPr>
+        <p:spPr>
+          <a:xfrm>
+            <a:off x="457200" y="720725"/>
+            <a:ext cx="6400800" cy="3600450"/>
+          </a:xfrm>
+          <a:custGeom>
+            <a:avLst/>
+            <a:gdLst/>
+            <a:ahLst/>
+            <a:cxnLst/>
+            <a:rect l="l" t="t" r="r" b="b"/>
+            <a:pathLst>
+              <a:path w="120000" h="120000" extrusionOk="0">
+                <a:moveTo>
+                  <a:pt x="0" y="0"/>
+                </a:moveTo>
+                <a:lnTo>
+                  <a:pt x="120000" y="0"/>
+                </a:lnTo>
+                <a:lnTo>
+                  <a:pt x="120000" y="120000"/>
+                </a:lnTo>
+                <a:lnTo>
+                  <a:pt x="0" y="120000"/>
+                </a:lnTo>
+                <a:close/>
+              </a:path>
+            </a:pathLst>
+          </a:custGeom>
+        </p:spPr>
+      </p:sp>
+      <p:sp>
+        <p:nvSpPr>
+          <p:cNvPr id="192" name="Google Shape;192;g151e57a7178_0_40:notes">
+            <a:extLst>
+              <a:ext uri="{FF2B5EF4-FFF2-40B4-BE49-F238E27FC236}">
+                <a16:creationId xmlns:a16="http://schemas.microsoft.com/office/drawing/2014/main" id="{659C3907-E694-49F7-5CA6-3FE4B1808DA9}"/>
+              </a:ext>
+            </a:extLst>
+          </p:cNvPr>
+          <p:cNvSpPr txBox="1">
+            <a:spLocks noGrp="1"/>
+          </p:cNvSpPr>
+          <p:nvPr>
+            <p:ph type="body" idx="1"/>
+          </p:nvPr>
+        </p:nvSpPr>
+        <p:spPr>
+          <a:xfrm>
+            <a:off x="731520" y="4560570"/>
+            <a:ext cx="5852160" cy="4320540"/>
+          </a:xfrm>
+          <a:prstGeom prst="rect">
+            <a:avLst/>
+          </a:prstGeom>
+        </p:spPr>
+        <p:txBody>
+          <a:bodyPr spcFirstLastPara="1" wrap="square" lIns="96645" tIns="96645" rIns="96645" bIns="96645" anchor="t" anchorCtr="0">
+            <a:noAutofit/>
+          </a:bodyPr>
+          <a:lstStyle/>
+          <a:p>
+            <a:pPr marL="0" indent="0">
+              <a:buNone/>
+            </a:pPr>
+            <a:endParaRPr/>
+          </a:p>
+        </p:txBody>
+      </p:sp>
+    </p:spTree>
+    <p:extLst>
+      <p:ext uri="{BB962C8B-B14F-4D97-AF65-F5344CB8AC3E}">
+        <p14:creationId xmlns:p14="http://schemas.microsoft.com/office/powerpoint/2010/main" val="4236349282"/>
+      </p:ext>
+    </p:extLst>
+  </p:cSld>
+  <p:clrMapOvr>
+    <a:masterClrMapping/>
+  </p:clrMapOvr>
+</p:notes>
+</file>
+
+<file path=ppt/notesSlides/notesSlide12.xml><?xml version="1.0" encoding="utf-8"?>
 <p:notes xmlns:a="http://schemas.openxmlformats.org/drawingml/2006/main" xmlns:r="http://schemas.openxmlformats.org/officeDocument/2006/relationships" xmlns:p="http://schemas.openxmlformats.org/presentationml/2006/main" showMasterSp="0" showMasterPhAnim="0">
   <p:cSld>
     <p:spTree>
@@ -953,8 +1063,8 @@
         </p:nvSpPr>
         <p:spPr>
           <a:xfrm>
-            <a:off x="381000" y="685800"/>
-            <a:ext cx="6096000" cy="3429000"/>
+            <a:off x="457200" y="720725"/>
+            <a:ext cx="6400800" cy="3600450"/>
           </a:xfrm>
           <a:custGeom>
             <a:avLst/>
@@ -994,26 +1104,20 @@
         </p:nvSpPr>
         <p:spPr>
           <a:xfrm>
-            <a:off x="685800" y="4343400"/>
-            <a:ext cx="5486400" cy="4114800"/>
+            <a:off x="731520" y="4560570"/>
+            <a:ext cx="5852160" cy="4320540"/>
           </a:xfrm>
           <a:prstGeom prst="rect">
             <a:avLst/>
           </a:prstGeom>
         </p:spPr>
         <p:txBody>
-          <a:bodyPr spcFirstLastPara="1" wrap="square" lIns="91425" tIns="91425" rIns="91425" bIns="91425" anchor="t" anchorCtr="0">
+          <a:bodyPr spcFirstLastPara="1" wrap="square" lIns="96645" tIns="96645" rIns="96645" bIns="96645" anchor="t" anchorCtr="0">
             <a:noAutofit/>
           </a:bodyPr>
           <a:lstStyle/>
           <a:p>
-            <a:pPr marL="0" lvl="0" indent="0" algn="l" rtl="0">
-              <a:spcBef>
-                <a:spcPts val="0"/>
-              </a:spcBef>
-              <a:spcAft>
-                <a:spcPts val="0"/>
-              </a:spcAft>
+            <a:pPr marL="0" indent="0">
               <a:buNone/>
             </a:pPr>
             <a:endParaRPr/>
@@ -1057,8 +1161,8 @@
         </p:nvSpPr>
         <p:spPr>
           <a:xfrm>
-            <a:off x="381000" y="685800"/>
-            <a:ext cx="6096000" cy="3429000"/>
+            <a:off x="457200" y="720725"/>
+            <a:ext cx="6400800" cy="3600450"/>
           </a:xfrm>
           <a:custGeom>
             <a:avLst/>
@@ -1098,26 +1202,20 @@
         </p:nvSpPr>
         <p:spPr>
           <a:xfrm>
-            <a:off x="685800" y="4343400"/>
-            <a:ext cx="5486400" cy="4114800"/>
+            <a:off x="731520" y="4560570"/>
+            <a:ext cx="5852160" cy="4320540"/>
           </a:xfrm>
           <a:prstGeom prst="rect">
             <a:avLst/>
           </a:prstGeom>
         </p:spPr>
         <p:txBody>
-          <a:bodyPr spcFirstLastPara="1" wrap="square" lIns="91425" tIns="91425" rIns="91425" bIns="91425" anchor="t" anchorCtr="0">
+          <a:bodyPr spcFirstLastPara="1" wrap="square" lIns="96645" tIns="96645" rIns="96645" bIns="96645" anchor="t" anchorCtr="0">
             <a:noAutofit/>
           </a:bodyPr>
           <a:lstStyle/>
           <a:p>
-            <a:pPr marL="0" lvl="0" indent="0" algn="l" rtl="0">
-              <a:spcBef>
-                <a:spcPts val="0"/>
-              </a:spcBef>
-              <a:spcAft>
-                <a:spcPts val="0"/>
-              </a:spcAft>
+            <a:pPr marL="0" indent="0">
               <a:buNone/>
             </a:pPr>
             <a:endParaRPr/>
@@ -1161,8 +1259,8 @@
         </p:nvSpPr>
         <p:spPr>
           <a:xfrm>
-            <a:off x="381000" y="685800"/>
-            <a:ext cx="6096000" cy="3429000"/>
+            <a:off x="457200" y="720725"/>
+            <a:ext cx="6400800" cy="3600450"/>
           </a:xfrm>
           <a:custGeom>
             <a:avLst/>
@@ -1202,26 +1300,20 @@
         </p:nvSpPr>
         <p:spPr>
           <a:xfrm>
-            <a:off x="685800" y="4343400"/>
-            <a:ext cx="5486400" cy="4114800"/>
+            <a:off x="731520" y="4560570"/>
+            <a:ext cx="5852160" cy="4320540"/>
           </a:xfrm>
           <a:prstGeom prst="rect">
             <a:avLst/>
           </a:prstGeom>
         </p:spPr>
         <p:txBody>
-          <a:bodyPr spcFirstLastPara="1" wrap="square" lIns="91425" tIns="91425" rIns="91425" bIns="91425" anchor="t" anchorCtr="0">
+          <a:bodyPr spcFirstLastPara="1" wrap="square" lIns="96645" tIns="96645" rIns="96645" bIns="96645" anchor="t" anchorCtr="0">
             <a:noAutofit/>
           </a:bodyPr>
           <a:lstStyle/>
           <a:p>
-            <a:pPr marL="0" lvl="0" indent="0" algn="l" rtl="0">
-              <a:spcBef>
-                <a:spcPts val="0"/>
-              </a:spcBef>
-              <a:spcAft>
-                <a:spcPts val="0"/>
-              </a:spcAft>
+            <a:pPr marL="0" indent="0">
               <a:buNone/>
             </a:pPr>
             <a:r>
@@ -1325,8 +1417,8 @@
         </p:nvSpPr>
         <p:spPr>
           <a:xfrm>
-            <a:off x="381000" y="685800"/>
-            <a:ext cx="6096000" cy="3429000"/>
+            <a:off x="457200" y="720725"/>
+            <a:ext cx="6400800" cy="3600450"/>
           </a:xfrm>
           <a:custGeom>
             <a:avLst/>
@@ -1366,26 +1458,20 @@
         </p:nvSpPr>
         <p:spPr>
           <a:xfrm>
-            <a:off x="685800" y="4343400"/>
-            <a:ext cx="5486400" cy="4114800"/>
+            <a:off x="731520" y="4560570"/>
+            <a:ext cx="5852160" cy="4320540"/>
           </a:xfrm>
           <a:prstGeom prst="rect">
             <a:avLst/>
           </a:prstGeom>
         </p:spPr>
         <p:txBody>
-          <a:bodyPr spcFirstLastPara="1" wrap="square" lIns="91425" tIns="91425" rIns="91425" bIns="91425" anchor="t" anchorCtr="0">
+          <a:bodyPr spcFirstLastPara="1" wrap="square" lIns="96645" tIns="96645" rIns="96645" bIns="96645" anchor="t" anchorCtr="0">
             <a:noAutofit/>
           </a:bodyPr>
           <a:lstStyle/>
           <a:p>
-            <a:pPr marL="0" lvl="0" indent="0" algn="l" rtl="0">
-              <a:spcBef>
-                <a:spcPts val="0"/>
-              </a:spcBef>
-              <a:spcAft>
-                <a:spcPts val="0"/>
-              </a:spcAft>
+            <a:pPr marL="0" indent="0">
               <a:buNone/>
             </a:pPr>
             <a:endParaRPr/>
@@ -1429,8 +1515,8 @@
         </p:nvSpPr>
         <p:spPr>
           <a:xfrm>
-            <a:off x="381000" y="685800"/>
-            <a:ext cx="6096000" cy="3429000"/>
+            <a:off x="457200" y="720725"/>
+            <a:ext cx="6400800" cy="3600450"/>
           </a:xfrm>
           <a:custGeom>
             <a:avLst/>
@@ -1470,26 +1556,20 @@
         </p:nvSpPr>
         <p:spPr>
           <a:xfrm>
-            <a:off x="685800" y="4343400"/>
-            <a:ext cx="5486400" cy="4114800"/>
+            <a:off x="731520" y="4560570"/>
+            <a:ext cx="5852160" cy="4320540"/>
           </a:xfrm>
           <a:prstGeom prst="rect">
             <a:avLst/>
           </a:prstGeom>
         </p:spPr>
         <p:txBody>
-          <a:bodyPr spcFirstLastPara="1" wrap="square" lIns="91425" tIns="91425" rIns="91425" bIns="91425" anchor="t" anchorCtr="0">
+          <a:bodyPr spcFirstLastPara="1" wrap="square" lIns="96645" tIns="96645" rIns="96645" bIns="96645" anchor="t" anchorCtr="0">
             <a:noAutofit/>
           </a:bodyPr>
           <a:lstStyle/>
           <a:p>
-            <a:pPr marL="0" lvl="0" indent="0" algn="l" rtl="0">
-              <a:spcBef>
-                <a:spcPts val="0"/>
-              </a:spcBef>
-              <a:spcAft>
-                <a:spcPts val="0"/>
-              </a:spcAft>
+            <a:pPr marL="0" indent="0">
               <a:buNone/>
             </a:pPr>
             <a:r>
@@ -1537,8 +1617,8 @@
         </p:nvSpPr>
         <p:spPr>
           <a:xfrm>
-            <a:off x="381000" y="685800"/>
-            <a:ext cx="6096000" cy="3429000"/>
+            <a:off x="457200" y="720725"/>
+            <a:ext cx="6400800" cy="3600450"/>
           </a:xfrm>
           <a:custGeom>
             <a:avLst/>
@@ -1578,26 +1658,20 @@
         </p:nvSpPr>
         <p:spPr>
           <a:xfrm>
-            <a:off x="685800" y="4343400"/>
-            <a:ext cx="5486400" cy="4114800"/>
+            <a:off x="731520" y="4560570"/>
+            <a:ext cx="5852160" cy="4320540"/>
           </a:xfrm>
           <a:prstGeom prst="rect">
             <a:avLst/>
           </a:prstGeom>
         </p:spPr>
         <p:txBody>
-          <a:bodyPr spcFirstLastPara="1" wrap="square" lIns="91425" tIns="91425" rIns="91425" bIns="91425" anchor="t" anchorCtr="0">
+          <a:bodyPr spcFirstLastPara="1" wrap="square" lIns="96645" tIns="96645" rIns="96645" bIns="96645" anchor="t" anchorCtr="0">
             <a:noAutofit/>
           </a:bodyPr>
           <a:lstStyle/>
           <a:p>
-            <a:pPr marL="0" lvl="0" indent="0" algn="l" rtl="0">
-              <a:spcBef>
-                <a:spcPts val="0"/>
-              </a:spcBef>
-              <a:spcAft>
-                <a:spcPts val="0"/>
-              </a:spcAft>
+            <a:pPr marL="0" indent="0">
               <a:buNone/>
             </a:pPr>
             <a:r>
@@ -1606,13 +1680,7 @@
             </a:r>
           </a:p>
           <a:p>
-            <a:pPr marL="0" lvl="0" indent="0" algn="l" rtl="0">
-              <a:spcBef>
-                <a:spcPts val="0"/>
-              </a:spcBef>
-              <a:spcAft>
-                <a:spcPts val="0"/>
-              </a:spcAft>
+            <a:pPr marL="0" indent="0">
               <a:buNone/>
             </a:pPr>
             <a:r>
@@ -1672,8 +1740,8 @@
         </p:nvSpPr>
         <p:spPr>
           <a:xfrm>
-            <a:off x="381000" y="685800"/>
-            <a:ext cx="6096000" cy="3429000"/>
+            <a:off x="457200" y="720725"/>
+            <a:ext cx="6400800" cy="3600450"/>
           </a:xfrm>
           <a:custGeom>
             <a:avLst/>
@@ -1719,26 +1787,20 @@
         </p:nvSpPr>
         <p:spPr>
           <a:xfrm>
-            <a:off x="685800" y="4343400"/>
-            <a:ext cx="5486400" cy="4114800"/>
+            <a:off x="731520" y="4560570"/>
+            <a:ext cx="5852160" cy="4320540"/>
           </a:xfrm>
           <a:prstGeom prst="rect">
             <a:avLst/>
           </a:prstGeom>
         </p:spPr>
         <p:txBody>
-          <a:bodyPr spcFirstLastPara="1" wrap="square" lIns="91425" tIns="91425" rIns="91425" bIns="91425" anchor="t" anchorCtr="0">
+          <a:bodyPr spcFirstLastPara="1" wrap="square" lIns="96645" tIns="96645" rIns="96645" bIns="96645" anchor="t" anchorCtr="0">
             <a:noAutofit/>
           </a:bodyPr>
           <a:lstStyle/>
           <a:p>
-            <a:pPr marL="0" lvl="0" indent="0" algn="l" rtl="0">
-              <a:spcBef>
-                <a:spcPts val="0"/>
-              </a:spcBef>
-              <a:spcAft>
-                <a:spcPts val="0"/>
-              </a:spcAft>
+            <a:pPr marL="0" indent="0">
               <a:buNone/>
             </a:pPr>
             <a:r>
@@ -1747,13 +1809,7 @@
             </a:r>
           </a:p>
           <a:p>
-            <a:pPr marL="0" lvl="0" indent="0" algn="l" rtl="0">
-              <a:spcBef>
-                <a:spcPts val="0"/>
-              </a:spcBef>
-              <a:spcAft>
-                <a:spcPts val="0"/>
-              </a:spcAft>
+            <a:pPr marL="0" indent="0">
               <a:buNone/>
             </a:pPr>
             <a:r>
@@ -1770,13 +1826,7 @@
             </a:r>
           </a:p>
           <a:p>
-            <a:pPr marL="0" lvl="0" indent="0" algn="l" rtl="0">
-              <a:spcBef>
-                <a:spcPts val="0"/>
-              </a:spcBef>
-              <a:spcAft>
-                <a:spcPts val="0"/>
-              </a:spcAft>
+            <a:pPr marL="0" indent="0">
               <a:buNone/>
             </a:pPr>
             <a:r>
@@ -1829,8 +1879,8 @@
         </p:nvSpPr>
         <p:spPr>
           <a:xfrm>
-            <a:off x="381000" y="685800"/>
-            <a:ext cx="6096000" cy="3429000"/>
+            <a:off x="457200" y="720725"/>
+            <a:ext cx="6400800" cy="3600450"/>
           </a:xfrm>
           <a:custGeom>
             <a:avLst/>
@@ -1870,26 +1920,20 @@
         </p:nvSpPr>
         <p:spPr>
           <a:xfrm>
-            <a:off x="685800" y="4343400"/>
-            <a:ext cx="5486400" cy="4114800"/>
+            <a:off x="731520" y="4560570"/>
+            <a:ext cx="5852160" cy="4320540"/>
           </a:xfrm>
           <a:prstGeom prst="rect">
             <a:avLst/>
           </a:prstGeom>
         </p:spPr>
         <p:txBody>
-          <a:bodyPr spcFirstLastPara="1" wrap="square" lIns="91425" tIns="91425" rIns="91425" bIns="91425" anchor="t" anchorCtr="0">
+          <a:bodyPr spcFirstLastPara="1" wrap="square" lIns="96645" tIns="96645" rIns="96645" bIns="96645" anchor="t" anchorCtr="0">
             <a:noAutofit/>
           </a:bodyPr>
           <a:lstStyle/>
           <a:p>
-            <a:pPr marL="0" lvl="0" indent="0" algn="l" rtl="0">
-              <a:spcBef>
-                <a:spcPts val="0"/>
-              </a:spcBef>
-              <a:spcAft>
-                <a:spcPts val="0"/>
-              </a:spcAft>
+            <a:pPr marL="0" indent="0">
               <a:buNone/>
             </a:pPr>
             <a:endParaRPr/>
@@ -1933,8 +1977,8 @@
         </p:nvSpPr>
         <p:spPr>
           <a:xfrm>
-            <a:off x="381000" y="685800"/>
-            <a:ext cx="6096000" cy="3429000"/>
+            <a:off x="457200" y="720725"/>
+            <a:ext cx="6400800" cy="3600450"/>
           </a:xfrm>
           <a:custGeom>
             <a:avLst/>
@@ -1974,26 +2018,20 @@
         </p:nvSpPr>
         <p:spPr>
           <a:xfrm>
-            <a:off x="685800" y="4343400"/>
-            <a:ext cx="5486400" cy="4114800"/>
+            <a:off x="731520" y="4560570"/>
+            <a:ext cx="5852160" cy="4320540"/>
           </a:xfrm>
           <a:prstGeom prst="rect">
             <a:avLst/>
           </a:prstGeom>
         </p:spPr>
         <p:txBody>
-          <a:bodyPr spcFirstLastPara="1" wrap="square" lIns="91425" tIns="91425" rIns="91425" bIns="91425" anchor="t" anchorCtr="0">
+          <a:bodyPr spcFirstLastPara="1" wrap="square" lIns="96645" tIns="96645" rIns="96645" bIns="96645" anchor="t" anchorCtr="0">
             <a:noAutofit/>
           </a:bodyPr>
           <a:lstStyle/>
           <a:p>
-            <a:pPr marL="0" lvl="0" indent="0" algn="l" rtl="0">
-              <a:spcBef>
-                <a:spcPts val="0"/>
-              </a:spcBef>
-              <a:spcAft>
-                <a:spcPts val="0"/>
-              </a:spcAft>
+            <a:pPr marL="0" indent="0">
               <a:buNone/>
             </a:pPr>
             <a:endParaRPr/>
@@ -19241,27 +19279,25 @@
       </p:sp>
       <p:graphicFrame>
         <p:nvGraphicFramePr>
-          <p:cNvPr id="4" name="Table 3">
+          <p:cNvPr id="3" name="Table 2">
             <a:extLst>
               <a:ext uri="{FF2B5EF4-FFF2-40B4-BE49-F238E27FC236}">
-                <a16:creationId xmlns:a16="http://schemas.microsoft.com/office/drawing/2014/main" id="{2812109F-5559-42E4-6FA2-AED9FDCC047F}"/>
+                <a16:creationId xmlns:a16="http://schemas.microsoft.com/office/drawing/2014/main" id="{FA9ACDB4-A207-3F9D-8CC8-A54CAF649A9F}"/>
               </a:ext>
             </a:extLst>
           </p:cNvPr>
-          <p:cNvGraphicFramePr>
-            <a:graphicFrameLocks noGrp="1"/>
-          </p:cNvGraphicFramePr>
+          <p:cNvGraphicFramePr/>
           <p:nvPr>
             <p:extLst>
               <p:ext uri="{D42A27DB-BD31-4B8C-83A1-F6EECF244321}">
-                <p14:modId xmlns:p14="http://schemas.microsoft.com/office/powerpoint/2010/main" val="3285450919"/>
+                <p14:modId xmlns:p14="http://schemas.microsoft.com/office/powerpoint/2010/main" val="1081597131"/>
               </p:ext>
             </p:extLst>
           </p:nvPr>
         </p:nvGraphicFramePr>
         <p:xfrm>
-          <a:off x="457200" y="1137508"/>
-          <a:ext cx="8349915" cy="3795637"/>
+          <a:off x="222885" y="1089660"/>
+          <a:ext cx="8698230" cy="3402330"/>
         </p:xfrm>
         <a:graphic>
           <a:graphicData uri="http://schemas.openxmlformats.org/drawingml/2006/table">
@@ -19270,665 +19306,414 @@
                 <a:tableStyleId>{5C22544A-7EE6-4342-B048-85BDC9FD1C3A}</a:tableStyleId>
               </a:tblPr>
               <a:tblGrid>
-                <a:gridCol w="2783305">
+                <a:gridCol w="657225">
                   <a:extLst>
                     <a:ext uri="{9D8B030D-6E8A-4147-A177-3AD203B41FA5}">
-                      <a16:colId xmlns:a16="http://schemas.microsoft.com/office/drawing/2014/main" val="2736519564"/>
+                      <a16:colId xmlns:a16="http://schemas.microsoft.com/office/drawing/2014/main" val="20000"/>
                     </a:ext>
                   </a:extLst>
                 </a:gridCol>
-                <a:gridCol w="2783305">
+                <a:gridCol w="3125470">
                   <a:extLst>
                     <a:ext uri="{9D8B030D-6E8A-4147-A177-3AD203B41FA5}">
-                      <a16:colId xmlns:a16="http://schemas.microsoft.com/office/drawing/2014/main" val="3827279740"/>
+                      <a16:colId xmlns:a16="http://schemas.microsoft.com/office/drawing/2014/main" val="20001"/>
                     </a:ext>
                   </a:extLst>
                 </a:gridCol>
-                <a:gridCol w="2783305">
+                <a:gridCol w="4915535">
                   <a:extLst>
                     <a:ext uri="{9D8B030D-6E8A-4147-A177-3AD203B41FA5}">
-                      <a16:colId xmlns:a16="http://schemas.microsoft.com/office/drawing/2014/main" val="2568578896"/>
+                      <a16:colId xmlns:a16="http://schemas.microsoft.com/office/drawing/2014/main" val="20002"/>
                     </a:ext>
                   </a:extLst>
                 </a:gridCol>
               </a:tblGrid>
-              <a:tr h="130988">
+              <a:tr h="293370">
                 <a:tc>
                   <a:txBody>
                     <a:bodyPr/>
                     <a:lstStyle/>
                     <a:p>
+                      <a:pPr algn="ctr">
+                        <a:buNone/>
+                      </a:pPr>
                       <a:r>
-                        <a:rPr lang="en-US" sz="1000" b="1">
+                        <a:rPr lang="en-US" sz="1000" dirty="0">
                           <a:solidFill>
-                            <a:srgbClr val="000000"/>
+                            <a:srgbClr val="FFFFFF"/>
                           </a:solidFill>
                         </a:rPr>
-                        <a:t>Category</a:t>
+                        <a:t>Name</a:t>
                       </a:r>
-                      <a:endParaRPr lang="en-US" sz="1000">
-                        <a:solidFill>
-                          <a:srgbClr val="000000"/>
-                        </a:solidFill>
-                      </a:endParaRPr>
                     </a:p>
                   </a:txBody>
-                  <a:tcPr marL="16890" marR="16890" marT="8445" marB="8445" anchor="ctr"/>
+                  <a:tcPr/>
                 </a:tc>
                 <a:tc>
                   <a:txBody>
                     <a:bodyPr/>
                     <a:lstStyle/>
                     <a:p>
+                      <a:pPr algn="ctr">
+                        <a:buNone/>
+                      </a:pPr>
                       <a:r>
-                        <a:rPr lang="en-US" sz="1000" b="1">
+                        <a:rPr lang="en-US" sz="1000">
                           <a:solidFill>
-                            <a:srgbClr val="000000"/>
+                            <a:srgbClr val="FFFFFF"/>
                           </a:solidFill>
                         </a:rPr>
-                        <a:t>Issue</a:t>
+                        <a:t>Current Work Style</a:t>
                       </a:r>
-                      <a:endParaRPr lang="en-US" sz="1000">
-                        <a:solidFill>
-                          <a:srgbClr val="000000"/>
-                        </a:solidFill>
-                      </a:endParaRPr>
                     </a:p>
                   </a:txBody>
-                  <a:tcPr marL="16890" marR="16890" marT="8445" marB="8445" anchor="ctr"/>
+                  <a:tcPr/>
                 </a:tc>
                 <a:tc>
                   <a:txBody>
                     <a:bodyPr/>
                     <a:lstStyle/>
                     <a:p>
+                      <a:pPr algn="ctr">
+                        <a:buNone/>
+                      </a:pPr>
                       <a:r>
-                        <a:rPr lang="en-US" sz="1000" b="1">
+                        <a:rPr lang="en-US" sz="1000" dirty="0">
                           <a:solidFill>
-                            <a:srgbClr val="000000"/>
+                            <a:srgbClr val="FFFFFF"/>
                           </a:solidFill>
+                          <a:sym typeface="+mn-ea"/>
                         </a:rPr>
-                        <a:t>Details</a:t>
+                        <a:t>Skill Gaps</a:t>
                       </a:r>
-                      <a:endParaRPr lang="en-US" sz="1000">
+                      <a:endParaRPr lang="en-GB" sz="1000" b="1" dirty="0">
                         <a:solidFill>
-                          <a:srgbClr val="000000"/>
+                          <a:srgbClr val="FFFFFF"/>
                         </a:solidFill>
+                        <a:latin typeface="Arial" panose="020B0604020202020204" pitchFamily="34" charset="0"/>
+                        <a:ea typeface="Arial" panose="020B0604020202020204" pitchFamily="34" charset="0"/>
+                        <a:cs typeface="Arial" panose="020B0604020202020204" pitchFamily="34" charset="0"/>
+                        <a:sym typeface="+mn-ea"/>
                       </a:endParaRPr>
                     </a:p>
                   </a:txBody>
-                  <a:tcPr marL="16890" marR="16890" marT="8445" marB="8445" anchor="ctr"/>
+                  <a:tcPr/>
                 </a:tc>
                 <a:extLst>
                   <a:ext uri="{0D108BD9-81ED-4DB2-BD59-A6C34878D82A}">
-                    <a16:rowId xmlns:a16="http://schemas.microsoft.com/office/drawing/2014/main" val="2274589866"/>
+                    <a16:rowId xmlns:a16="http://schemas.microsoft.com/office/drawing/2014/main" val="10000"/>
                   </a:ext>
                 </a:extLst>
               </a:tr>
-              <a:tr h="513598">
+              <a:tr h="853440">
                 <a:tc>
                   <a:txBody>
                     <a:bodyPr/>
                     <a:lstStyle/>
                     <a:p>
+                      <a:pPr>
+                        <a:buNone/>
+                      </a:pPr>
                       <a:r>
-                        <a:rPr lang="en-US" sz="1000" b="1">
-                          <a:solidFill>
-                            <a:srgbClr val="000000"/>
-                          </a:solidFill>
-                        </a:rPr>
-                        <a:t>Planning &amp; Control</a:t>
+                        <a:rPr lang="en-US" sz="1000" dirty="0"/>
+                        <a:t>John Smith	</a:t>
                       </a:r>
-                      <a:endParaRPr lang="en-US" sz="1000">
-                        <a:solidFill>
-                          <a:srgbClr val="000000"/>
-                        </a:solidFill>
-                      </a:endParaRPr>
                     </a:p>
                   </a:txBody>
-                  <a:tcPr marL="16890" marR="16890" marT="8445" marB="8445" anchor="ctr"/>
+                  <a:tcPr/>
                 </a:tc>
                 <a:tc>
                   <a:txBody>
                     <a:bodyPr/>
                     <a:lstStyle/>
                     <a:p>
+                      <a:pPr>
+                        <a:buNone/>
+                      </a:pPr>
                       <a:r>
-                        <a:rPr lang="en-US" sz="1000">
-                          <a:solidFill>
-                            <a:srgbClr val="000000"/>
-                          </a:solidFill>
-                        </a:rPr>
-                        <a:t>Overly centralized planning</a:t>
+                        <a:rPr lang="en-US" sz="1000" dirty="0"/>
+                        <a:t>John likes to conduct extensive market research and product planning upfront; he is detached from the developers by process, department, and facility boundaries</a:t>
                       </a:r>
                     </a:p>
                   </a:txBody>
-                  <a:tcPr marL="16890" marR="16890" marT="8445" marB="8445" anchor="ctr"/>
+                  <a:tcPr/>
                 </a:tc>
                 <a:tc>
                   <a:txBody>
                     <a:bodyPr/>
                     <a:lstStyle/>
                     <a:p>
+                      <a:pPr>
+                        <a:buNone/>
+                      </a:pPr>
+                      <a:r>
+                        <a:rPr lang="en-US" sz="1000"/>
+                        <a:t>John is so isolated from the team, he is planning upfront on his own which extendes the gap even more.</a:t>
+                      </a:r>
+                    </a:p>
+                    <a:p>
+                      <a:pPr>
+                        <a:buNone/>
+                      </a:pPr>
                       <a:r>
                         <a:rPr lang="en-US" sz="1000">
-                          <a:solidFill>
-                            <a:srgbClr val="000000"/>
-                          </a:solidFill>
+                          <a:sym typeface="+mn-ea"/>
                         </a:rPr>
-                        <a:t>Jane (PM) plans the work herself and assigns tasks based on preference, undermining team ownership</a:t>
+                        <a:t>He needs to communicate properly with both the team and the business in order to deliver maximum added value.</a:t>
                       </a:r>
+                      <a:endParaRPr lang="en-US" sz="1000"/>
+                    </a:p>
+                    <a:p>
+                      <a:pPr>
+                        <a:buNone/>
+                      </a:pPr>
+                      <a:endParaRPr lang="en-US" sz="1000"/>
                     </a:p>
                   </a:txBody>
-                  <a:tcPr marL="16890" marR="16890" marT="8445" marB="8445" anchor="ctr"/>
+                  <a:tcPr/>
                 </a:tc>
                 <a:extLst>
                   <a:ext uri="{0D108BD9-81ED-4DB2-BD59-A6C34878D82A}">
-                    <a16:rowId xmlns:a16="http://schemas.microsoft.com/office/drawing/2014/main" val="4139653322"/>
+                    <a16:rowId xmlns:a16="http://schemas.microsoft.com/office/drawing/2014/main" val="10001"/>
                   </a:ext>
                 </a:extLst>
               </a:tr>
-              <a:tr h="417945">
+              <a:tr h="701040">
                 <a:tc>
                   <a:txBody>
                     <a:bodyPr/>
                     <a:lstStyle/>
                     <a:p>
+                      <a:pPr>
+                        <a:buNone/>
+                      </a:pPr>
                       <a:r>
-                        <a:rPr lang="en-US" sz="1000" b="1">
-                          <a:solidFill>
-                            <a:srgbClr val="000000"/>
-                          </a:solidFill>
-                        </a:rPr>
-                        <a:t>Product Vision &amp; Alignment</a:t>
+                        <a:rPr lang="en-US" sz="1000"/>
+                        <a:t>Jane Doe</a:t>
                       </a:r>
-                      <a:endParaRPr lang="en-US" sz="1000">
-                        <a:solidFill>
-                          <a:srgbClr val="000000"/>
-                        </a:solidFill>
-                      </a:endParaRPr>
                     </a:p>
                   </a:txBody>
-                  <a:tcPr marL="16890" marR="16890" marT="8445" marB="8445" anchor="ctr"/>
+                  <a:tcPr/>
                 </a:tc>
                 <a:tc>
                   <a:txBody>
                     <a:bodyPr/>
                     <a:lstStyle/>
                     <a:p>
+                      <a:pPr>
+                        <a:buNone/>
+                      </a:pPr>
                       <a:r>
-                        <a:rPr lang="en-US" sz="1000">
-                          <a:solidFill>
-                            <a:srgbClr val="000000"/>
-                          </a:solidFill>
-                        </a:rPr>
-                        <a:t>Detached Product Owner</a:t>
+                        <a:rPr lang="en-US" sz="1000"/>
+                        <a:t>Jane manages the team by focusing on the scope to be delivered, planning the work out primarily herself and assigning work to individuals based on her preference</a:t>
                       </a:r>
                     </a:p>
                   </a:txBody>
-                  <a:tcPr marL="16890" marR="16890" marT="8445" marB="8445" anchor="ctr"/>
+                  <a:tcPr/>
                 </a:tc>
                 <a:tc>
                   <a:txBody>
                     <a:bodyPr/>
                     <a:lstStyle/>
                     <a:p>
+                      <a:pPr>
+                        <a:buNone/>
+                      </a:pPr>
                       <a:r>
-                        <a:rPr lang="en-US" sz="1000">
+                        <a:rPr lang="en-US" sz="1000"/>
+                        <a:t>Jane is not being agile, she is igroing one of the agile minifisto principiles which is” </a:t>
+                      </a:r>
+                      <a:r>
+                        <a:rPr lang="en-US" altLang="zh-CN" sz="1000">
                           <a:solidFill>
-                            <a:srgbClr val="000000"/>
+                            <a:srgbClr val="7E7E7E">
+                              <a:lumMod val="75000"/>
+                              <a:alpha val="70000"/>
+                            </a:srgbClr>
                           </a:solidFill>
+                          <a:sym typeface="Arial" panose="020B0604020202020204" pitchFamily="34" charset="0"/>
                         </a:rPr>
-                        <a:t>John conducts planning in isolation; doesn’t engage with the development team regularly</a:t>
+                        <a:t>Individuals and interactions over processes and tools” </a:t>
+                      </a:r>
+                    </a:p>
+                    <a:p>
+                      <a:pPr>
+                        <a:buNone/>
+                      </a:pPr>
+                      <a:r>
+                        <a:rPr lang="en-US" sz="1000"/>
+                        <a:t>she needs to engege more with the team and focus on her role by leting them be self directed without too much interference.</a:t>
                       </a:r>
                     </a:p>
                   </a:txBody>
-                  <a:tcPr marL="16890" marR="16890" marT="8445" marB="8445" anchor="ctr"/>
+                  <a:tcPr/>
                 </a:tc>
                 <a:extLst>
                   <a:ext uri="{0D108BD9-81ED-4DB2-BD59-A6C34878D82A}">
-                    <a16:rowId xmlns:a16="http://schemas.microsoft.com/office/drawing/2014/main" val="4293810440"/>
+                    <a16:rowId xmlns:a16="http://schemas.microsoft.com/office/drawing/2014/main" val="10002"/>
                   </a:ext>
                 </a:extLst>
               </a:tr>
-              <a:tr h="417945">
+              <a:tr h="701040">
                 <a:tc>
                   <a:txBody>
                     <a:bodyPr/>
                     <a:lstStyle/>
                     <a:p>
+                      <a:pPr indent="0">
+                        <a:buNone/>
+                      </a:pPr>
                       <a:r>
-                        <a:rPr lang="en-US" sz="1000" b="1">
-                          <a:solidFill>
-                            <a:srgbClr val="000000"/>
-                          </a:solidFill>
-                        </a:rPr>
-                        <a:t>Team Structure</a:t>
+                        <a:rPr lang="en-US" sz="1000"/>
+                        <a:t>Jerry Holden</a:t>
                       </a:r>
-                      <a:endParaRPr lang="en-US" sz="1000">
-                        <a:solidFill>
-                          <a:srgbClr val="000000"/>
-                        </a:solidFill>
-                      </a:endParaRPr>
                     </a:p>
                   </a:txBody>
-                  <a:tcPr marL="16890" marR="16890" marT="8445" marB="8445" anchor="ctr"/>
+                  <a:tcPr/>
                 </a:tc>
                 <a:tc>
                   <a:txBody>
                     <a:bodyPr/>
                     <a:lstStyle/>
                     <a:p>
+                      <a:pPr>
+                        <a:buNone/>
+                      </a:pPr>
                       <a:r>
-                        <a:rPr lang="en-US" sz="1000">
-                          <a:solidFill>
-                            <a:srgbClr val="000000"/>
-                          </a:solidFill>
-                        </a:rPr>
-                        <a:t>Siloed Development</a:t>
+                        <a:rPr lang="en-US" sz="1000"/>
+                        <a:t>Jerry conducts upfront business analysis and product definition; requirements are detailed and frozen early on so a detailed project plan can be followed</a:t>
                       </a:r>
                     </a:p>
                   </a:txBody>
-                  <a:tcPr marL="16890" marR="16890" marT="8445" marB="8445" anchor="ctr"/>
+                  <a:tcPr/>
                 </a:tc>
                 <a:tc>
                   <a:txBody>
                     <a:bodyPr/>
                     <a:lstStyle/>
                     <a:p>
+                      <a:pPr>
+                        <a:buNone/>
+                      </a:pPr>
+                      <a:r>
+                        <a:rPr lang="en-US" sz="1000"/>
+                        <a:t>Jerry is not following two of the most important minifisto principles which are “</a:t>
+                      </a:r>
+                      <a:r>
+                        <a:rPr lang="en-US" altLang="zh-CN" sz="1000">
+                          <a:solidFill>
+                            <a:srgbClr val="7E7E7E">
+                              <a:lumMod val="75000"/>
+                              <a:alpha val="70000"/>
+                            </a:srgbClr>
+                          </a:solidFill>
+                          <a:sym typeface="Arial" panose="020B0604020202020204" pitchFamily="34" charset="0"/>
+                        </a:rPr>
+                        <a:t>Responding to change over following a plan.” </a:t>
+                      </a:r>
                       <a:r>
                         <a:rPr lang="en-US" sz="1000">
+                          <a:sym typeface="Arial" panose="020B0604020202020204" pitchFamily="34" charset="0"/>
+                        </a:rPr>
+                        <a:t>and </a:t>
+                      </a:r>
+                      <a:r>
+                        <a:rPr lang="en-US" altLang="zh-CN" sz="1000">
                           <a:solidFill>
-                            <a:srgbClr val="000000"/>
+                            <a:srgbClr val="7E7E7E">
+                              <a:lumMod val="75000"/>
+                              <a:alpha val="70000"/>
+                            </a:srgbClr>
+                          </a:solidFill>
+                          <a:sym typeface="Arial" panose="020B0604020202020204" pitchFamily="34" charset="0"/>
+                        </a:rPr>
+                        <a:t>“</a:t>
+                      </a:r>
+                      <a:r>
+                        <a:rPr lang="en-US" altLang="zh-CN" sz="1000">
+                          <a:solidFill>
+                            <a:srgbClr val="7E7E7E">
+                              <a:lumMod val="75000"/>
+                              <a:alpha val="70000"/>
+                            </a:srgbClr>
                           </a:solidFill>
                         </a:rPr>
-                        <a:t>Offshore contractors handle complex tasks; no collaboration or knowledge sharing with onshore devs</a:t>
+                        <a:t>Working software over comprehensive documentation.” </a:t>
+                      </a:r>
+                      <a:r>
+                        <a:rPr lang="en-US" sz="1000"/>
+                        <a:t>He is totally not being agile, he needs to be more flixable and a quick adeptor to change.</a:t>
                       </a:r>
                     </a:p>
                   </a:txBody>
-                  <a:tcPr marL="16890" marR="16890" marT="8445" marB="8445" anchor="ctr"/>
+                  <a:tcPr/>
                 </a:tc>
                 <a:extLst>
                   <a:ext uri="{0D108BD9-81ED-4DB2-BD59-A6C34878D82A}">
-                    <a16:rowId xmlns:a16="http://schemas.microsoft.com/office/drawing/2014/main" val="598127472"/>
+                    <a16:rowId xmlns:a16="http://schemas.microsoft.com/office/drawing/2014/main" val="10003"/>
                   </a:ext>
                 </a:extLst>
               </a:tr>
-              <a:tr h="417945">
+              <a:tr h="853440">
                 <a:tc>
                   <a:txBody>
                     <a:bodyPr/>
                     <a:lstStyle/>
                     <a:p>
+                      <a:pPr indent="0">
+                        <a:buNone/>
+                      </a:pPr>
                       <a:r>
-                        <a:rPr lang="en-US" sz="1000" b="1">
-                          <a:solidFill>
-                            <a:srgbClr val="000000"/>
-                          </a:solidFill>
-                        </a:rPr>
-                        <a:t>Code Quality</a:t>
+                        <a:rPr lang="en-US" sz="1000"/>
+                        <a:t>James Cowx</a:t>
                       </a:r>
-                      <a:endParaRPr lang="en-US" sz="1000">
-                        <a:solidFill>
-                          <a:srgbClr val="000000"/>
-                        </a:solidFill>
-                      </a:endParaRPr>
                     </a:p>
                   </a:txBody>
-                  <a:tcPr marL="16890" marR="16890" marT="8445" marB="8445" anchor="ctr"/>
+                  <a:tcPr/>
                 </a:tc>
                 <a:tc>
                   <a:txBody>
                     <a:bodyPr/>
                     <a:lstStyle/>
                     <a:p>
+                      <a:pPr>
+                        <a:buNone/>
+                      </a:pPr>
                       <a:r>
-                        <a:rPr lang="en-US" sz="1000">
-                          <a:solidFill>
-                            <a:srgbClr val="000000"/>
-                          </a:solidFill>
-                        </a:rPr>
-                        <a:t>No Coding Standards</a:t>
+                        <a:rPr lang="en-US" sz="1000"/>
+                        <a:t>James builds out UX based on specifications and requirements in the Project Plan created by the Project Manager and Business Analyst. Customer feedback is received late, in market testing and after product launch.</a:t>
                       </a:r>
                     </a:p>
                   </a:txBody>
-                  <a:tcPr marL="16890" marR="16890" marT="8445" marB="8445" anchor="ctr"/>
+                  <a:tcPr/>
                 </a:tc>
                 <a:tc>
                   <a:txBody>
                     <a:bodyPr/>
                     <a:lstStyle/>
                     <a:p>
+                      <a:pPr>
+                        <a:buNone/>
+                      </a:pPr>
                       <a:r>
-                        <a:rPr lang="en-US" sz="1000">
-                          <a:solidFill>
-                            <a:srgbClr val="000000"/>
-                          </a:solidFill>
-                        </a:rPr>
-                        <a:t>Lack of consistency in style, architecture, or code quality assurance across teams</a:t>
+                        <a:rPr lang="en-US" sz="1000" dirty="0"/>
+                        <a:t>James needs to include customers early in the design, he should be delivering </a:t>
+                      </a:r>
+                      <a:r>
+                        <a:rPr lang="en-US" sz="1000" dirty="0" err="1"/>
+                        <a:t>somthing</a:t>
+                      </a:r>
+                      <a:r>
+                        <a:rPr lang="en-US" sz="1000" dirty="0"/>
+                        <a:t> for each sprint to get feedback. </a:t>
                       </a:r>
                     </a:p>
                   </a:txBody>
-                  <a:tcPr marL="16890" marR="16890" marT="8445" marB="8445" anchor="ctr"/>
+                  <a:tcPr/>
                 </a:tc>
                 <a:extLst>
                   <a:ext uri="{0D108BD9-81ED-4DB2-BD59-A6C34878D82A}">
-                    <a16:rowId xmlns:a16="http://schemas.microsoft.com/office/drawing/2014/main" val="995996022"/>
-                  </a:ext>
-                </a:extLst>
-              </a:tr>
-              <a:tr h="322293">
-                <a:tc>
-                  <a:txBody>
-                    <a:bodyPr/>
-                    <a:lstStyle/>
-                    <a:p>
-                      <a:r>
-                        <a:rPr lang="en-US" sz="1000" b="1">
-                          <a:solidFill>
-                            <a:srgbClr val="000000"/>
-                          </a:solidFill>
-                        </a:rPr>
-                        <a:t>Testing</a:t>
-                      </a:r>
-                      <a:endParaRPr lang="en-US" sz="1000">
-                        <a:solidFill>
-                          <a:srgbClr val="000000"/>
-                        </a:solidFill>
-                      </a:endParaRPr>
-                    </a:p>
-                  </a:txBody>
-                  <a:tcPr marL="16890" marR="16890" marT="8445" marB="8445" anchor="ctr"/>
-                </a:tc>
-                <a:tc>
-                  <a:txBody>
-                    <a:bodyPr/>
-                    <a:lstStyle/>
-                    <a:p>
-                      <a:r>
-                        <a:rPr lang="en-US" sz="1000">
-                          <a:solidFill>
-                            <a:srgbClr val="000000"/>
-                          </a:solidFill>
-                        </a:rPr>
-                        <a:t>Late-stage QA involvement</a:t>
-                      </a:r>
-                    </a:p>
-                  </a:txBody>
-                  <a:tcPr marL="16890" marR="16890" marT="8445" marB="8445" anchor="ctr"/>
-                </a:tc>
-                <a:tc>
-                  <a:txBody>
-                    <a:bodyPr/>
-                    <a:lstStyle/>
-                    <a:p>
-                      <a:r>
-                        <a:rPr lang="en-US" sz="1000">
-                          <a:solidFill>
-                            <a:srgbClr val="000000"/>
-                          </a:solidFill>
-                        </a:rPr>
-                        <a:t>Kathy tests only after full development, leading to late defect discovery</a:t>
-                      </a:r>
-                    </a:p>
-                  </a:txBody>
-                  <a:tcPr marL="16890" marR="16890" marT="8445" marB="8445" anchor="ctr"/>
-                </a:tc>
-                <a:extLst>
-                  <a:ext uri="{0D108BD9-81ED-4DB2-BD59-A6C34878D82A}">
-                    <a16:rowId xmlns:a16="http://schemas.microsoft.com/office/drawing/2014/main" val="2466261779"/>
-                  </a:ext>
-                </a:extLst>
-              </a:tr>
-              <a:tr h="417945">
-                <a:tc>
-                  <a:txBody>
-                    <a:bodyPr/>
-                    <a:lstStyle/>
-                    <a:p>
-                      <a:r>
-                        <a:rPr lang="en-US" sz="1000" b="1">
-                          <a:solidFill>
-                            <a:srgbClr val="000000"/>
-                          </a:solidFill>
-                        </a:rPr>
-                        <a:t>Collaboration</a:t>
-                      </a:r>
-                      <a:endParaRPr lang="en-US" sz="1000">
-                        <a:solidFill>
-                          <a:srgbClr val="000000"/>
-                        </a:solidFill>
-                      </a:endParaRPr>
-                    </a:p>
-                  </a:txBody>
-                  <a:tcPr marL="16890" marR="16890" marT="8445" marB="8445" anchor="ctr"/>
-                </a:tc>
-                <a:tc>
-                  <a:txBody>
-                    <a:bodyPr/>
-                    <a:lstStyle/>
-                    <a:p>
-                      <a:r>
-                        <a:rPr lang="en-US" sz="1000">
-                          <a:solidFill>
-                            <a:srgbClr val="000000"/>
-                          </a:solidFill>
-                        </a:rPr>
-                        <a:t>Low trust and camaraderie</a:t>
-                      </a:r>
-                    </a:p>
-                  </a:txBody>
-                  <a:tcPr marL="16890" marR="16890" marT="8445" marB="8445" anchor="ctr"/>
-                </a:tc>
-                <a:tc>
-                  <a:txBody>
-                    <a:bodyPr/>
-                    <a:lstStyle/>
-                    <a:p>
-                      <a:r>
-                        <a:rPr lang="en-US" sz="1000">
-                          <a:solidFill>
-                            <a:srgbClr val="000000"/>
-                          </a:solidFill>
-                        </a:rPr>
-                        <a:t>Onshore/offshore team split has created communication gaps and cultural misalignment</a:t>
-                      </a:r>
-                    </a:p>
-                  </a:txBody>
-                  <a:tcPr marL="16890" marR="16890" marT="8445" marB="8445" anchor="ctr"/>
-                </a:tc>
-                <a:extLst>
-                  <a:ext uri="{0D108BD9-81ED-4DB2-BD59-A6C34878D82A}">
-                    <a16:rowId xmlns:a16="http://schemas.microsoft.com/office/drawing/2014/main" val="4051914723"/>
-                  </a:ext>
-                </a:extLst>
-              </a:tr>
-              <a:tr h="417945">
-                <a:tc>
-                  <a:txBody>
-                    <a:bodyPr/>
-                    <a:lstStyle/>
-                    <a:p>
-                      <a:r>
-                        <a:rPr lang="en-US" sz="1000" b="1">
-                          <a:solidFill>
-                            <a:srgbClr val="000000"/>
-                          </a:solidFill>
-                        </a:rPr>
-                        <a:t>Knowledge Sharing</a:t>
-                      </a:r>
-                      <a:endParaRPr lang="en-US" sz="1000">
-                        <a:solidFill>
-                          <a:srgbClr val="000000"/>
-                        </a:solidFill>
-                      </a:endParaRPr>
-                    </a:p>
-                  </a:txBody>
-                  <a:tcPr marL="16890" marR="16890" marT="8445" marB="8445" anchor="ctr"/>
-                </a:tc>
-                <a:tc>
-                  <a:txBody>
-                    <a:bodyPr/>
-                    <a:lstStyle/>
-                    <a:p>
-                      <a:r>
-                        <a:rPr lang="en-US" sz="1000">
-                          <a:solidFill>
-                            <a:srgbClr val="000000"/>
-                          </a:solidFill>
-                        </a:rPr>
-                        <a:t>No onboarding or documentation processes</a:t>
-                      </a:r>
-                    </a:p>
-                  </a:txBody>
-                  <a:tcPr marL="16890" marR="16890" marT="8445" marB="8445" anchor="ctr"/>
-                </a:tc>
-                <a:tc>
-                  <a:txBody>
-                    <a:bodyPr/>
-                    <a:lstStyle/>
-                    <a:p>
-                      <a:r>
-                        <a:rPr lang="en-US" sz="1000">
-                          <a:solidFill>
-                            <a:srgbClr val="000000"/>
-                          </a:solidFill>
-                        </a:rPr>
-                        <a:t>Onshore team lacks access to expert knowledge from offshore peers</a:t>
-                      </a:r>
-                    </a:p>
-                  </a:txBody>
-                  <a:tcPr marL="16890" marR="16890" marT="8445" marB="8445" anchor="ctr"/>
-                </a:tc>
-                <a:extLst>
-                  <a:ext uri="{0D108BD9-81ED-4DB2-BD59-A6C34878D82A}">
-                    <a16:rowId xmlns:a16="http://schemas.microsoft.com/office/drawing/2014/main" val="2664607682"/>
-                  </a:ext>
-                </a:extLst>
-              </a:tr>
-              <a:tr h="322293">
-                <a:tc>
-                  <a:txBody>
-                    <a:bodyPr/>
-                    <a:lstStyle/>
-                    <a:p>
-                      <a:r>
-                        <a:rPr lang="en-US" sz="1000" b="1">
-                          <a:solidFill>
-                            <a:srgbClr val="000000"/>
-                          </a:solidFill>
-                        </a:rPr>
-                        <a:t>Feedback Loop</a:t>
-                      </a:r>
-                      <a:endParaRPr lang="en-US" sz="1000">
-                        <a:solidFill>
-                          <a:srgbClr val="000000"/>
-                        </a:solidFill>
-                      </a:endParaRPr>
-                    </a:p>
-                  </a:txBody>
-                  <a:tcPr marL="16890" marR="16890" marT="8445" marB="8445" anchor="ctr"/>
-                </a:tc>
-                <a:tc>
-                  <a:txBody>
-                    <a:bodyPr/>
-                    <a:lstStyle/>
-                    <a:p>
-                      <a:r>
-                        <a:rPr lang="en-US" sz="1000">
-                          <a:solidFill>
-                            <a:srgbClr val="000000"/>
-                          </a:solidFill>
-                        </a:rPr>
-                        <a:t>Customer feedback arrives too late</a:t>
-                      </a:r>
-                    </a:p>
-                  </a:txBody>
-                  <a:tcPr marL="16890" marR="16890" marT="8445" marB="8445" anchor="ctr"/>
-                </a:tc>
-                <a:tc>
-                  <a:txBody>
-                    <a:bodyPr/>
-                    <a:lstStyle/>
-                    <a:p>
-                      <a:r>
-                        <a:rPr lang="en-US" sz="1000">
-                          <a:solidFill>
-                            <a:srgbClr val="000000"/>
-                          </a:solidFill>
-                        </a:rPr>
-                        <a:t>UX adjustments are made post-launch instead of during development cycles</a:t>
-                      </a:r>
-                    </a:p>
-                  </a:txBody>
-                  <a:tcPr marL="16890" marR="16890" marT="8445" marB="8445" anchor="ctr"/>
-                </a:tc>
-                <a:extLst>
-                  <a:ext uri="{0D108BD9-81ED-4DB2-BD59-A6C34878D82A}">
-                    <a16:rowId xmlns:a16="http://schemas.microsoft.com/office/drawing/2014/main" val="1716775196"/>
-                  </a:ext>
-                </a:extLst>
-              </a:tr>
-              <a:tr h="322293">
-                <a:tc>
-                  <a:txBody>
-                    <a:bodyPr/>
-                    <a:lstStyle/>
-                    <a:p>
-                      <a:r>
-                        <a:rPr lang="en-US" sz="1000" b="1">
-                          <a:solidFill>
-                            <a:srgbClr val="000000"/>
-                          </a:solidFill>
-                        </a:rPr>
-                        <a:t>Ceremony Participation</a:t>
-                      </a:r>
-                      <a:endParaRPr lang="en-US" sz="1000">
-                        <a:solidFill>
-                          <a:srgbClr val="000000"/>
-                        </a:solidFill>
-                      </a:endParaRPr>
-                    </a:p>
-                  </a:txBody>
-                  <a:tcPr marL="16890" marR="16890" marT="8445" marB="8445" anchor="ctr"/>
-                </a:tc>
-                <a:tc>
-                  <a:txBody>
-                    <a:bodyPr/>
-                    <a:lstStyle/>
-                    <a:p>
-                      <a:r>
-                        <a:rPr lang="en-US" sz="1000">
-                          <a:solidFill>
-                            <a:srgbClr val="000000"/>
-                          </a:solidFill>
-                        </a:rPr>
-                        <a:t>Passive or top-down meetings</a:t>
-                      </a:r>
-                    </a:p>
-                  </a:txBody>
-                  <a:tcPr marL="16890" marR="16890" marT="8445" marB="8445" anchor="ctr"/>
-                </a:tc>
-                <a:tc>
-                  <a:txBody>
-                    <a:bodyPr/>
-                    <a:lstStyle/>
-                    <a:p>
-                      <a:r>
-                        <a:rPr lang="en-US" sz="1000" dirty="0">
-                          <a:solidFill>
-                            <a:srgbClr val="000000"/>
-                          </a:solidFill>
-                        </a:rPr>
-                        <a:t>Ceremonies, if any, are run by the PM without real team input or reflection</a:t>
-                      </a:r>
-                    </a:p>
-                  </a:txBody>
-                  <a:tcPr marL="16890" marR="16890" marT="8445" marB="8445" anchor="ctr"/>
-                </a:tc>
-                <a:extLst>
-                  <a:ext uri="{0D108BD9-81ED-4DB2-BD59-A6C34878D82A}">
-                    <a16:rowId xmlns:a16="http://schemas.microsoft.com/office/drawing/2014/main" val="495615233"/>
+                    <a16:rowId xmlns:a16="http://schemas.microsoft.com/office/drawing/2014/main" val="10004"/>
                   </a:ext>
                 </a:extLst>
               </a:tr>
@@ -19945,6 +19730,631 @@
 </file>
 
 <file path=ppt/slides/slide11.xml><?xml version="1.0" encoding="utf-8"?>
+<p:sld xmlns:a="http://schemas.openxmlformats.org/drawingml/2006/main" xmlns:r="http://schemas.openxmlformats.org/officeDocument/2006/relationships" xmlns:p="http://schemas.openxmlformats.org/presentationml/2006/main">
+  <p:cSld>
+    <p:spTree>
+      <p:nvGrpSpPr>
+        <p:cNvPr id="1" name="Shape 193">
+          <a:extLst>
+            <a:ext uri="{FF2B5EF4-FFF2-40B4-BE49-F238E27FC236}">
+              <a16:creationId xmlns:a16="http://schemas.microsoft.com/office/drawing/2014/main" id="{487C7A83-A397-3F7A-14C6-2A737328612F}"/>
+            </a:ext>
+          </a:extLst>
+        </p:cNvPr>
+        <p:cNvGrpSpPr/>
+        <p:nvPr/>
+      </p:nvGrpSpPr>
+      <p:grpSpPr>
+        <a:xfrm>
+          <a:off x="0" y="0"/>
+          <a:ext cx="0" cy="0"/>
+          <a:chOff x="0" y="0"/>
+          <a:chExt cx="0" cy="0"/>
+        </a:xfrm>
+      </p:grpSpPr>
+      <p:sp>
+        <p:nvSpPr>
+          <p:cNvPr id="196" name="Google Shape;196;p39">
+            <a:extLst>
+              <a:ext uri="{FF2B5EF4-FFF2-40B4-BE49-F238E27FC236}">
+                <a16:creationId xmlns:a16="http://schemas.microsoft.com/office/drawing/2014/main" id="{A3CA349D-F378-5B65-E694-F2DD2CDD04CB}"/>
+              </a:ext>
+            </a:extLst>
+          </p:cNvPr>
+          <p:cNvSpPr txBox="1">
+            <a:spLocks noGrp="1"/>
+          </p:cNvSpPr>
+          <p:nvPr>
+            <p:ph type="title"/>
+          </p:nvPr>
+        </p:nvSpPr>
+        <p:spPr>
+          <a:xfrm>
+            <a:off x="457200" y="304800"/>
+            <a:ext cx="8229600" cy="595200"/>
+          </a:xfrm>
+          <a:prstGeom prst="rect">
+            <a:avLst/>
+          </a:prstGeom>
+        </p:spPr>
+        <p:txBody>
+          <a:bodyPr spcFirstLastPara="1" wrap="square" lIns="34275" tIns="34275" rIns="34275" bIns="34275" anchor="t" anchorCtr="0">
+            <a:noAutofit/>
+          </a:bodyPr>
+          <a:lstStyle/>
+          <a:p>
+            <a:pPr marL="0" lvl="0" indent="0" algn="l" rtl="0">
+              <a:spcBef>
+                <a:spcPts val="0"/>
+              </a:spcBef>
+              <a:spcAft>
+                <a:spcPts val="0"/>
+              </a:spcAft>
+              <a:buNone/>
+            </a:pPr>
+            <a:r>
+              <a:rPr lang="en" dirty="0"/>
+              <a:t>Appendix 1 - Skill Gaps</a:t>
+            </a:r>
+            <a:endParaRPr dirty="0"/>
+          </a:p>
+        </p:txBody>
+      </p:sp>
+      <p:graphicFrame>
+        <p:nvGraphicFramePr>
+          <p:cNvPr id="2" name="Table 1">
+            <a:extLst>
+              <a:ext uri="{FF2B5EF4-FFF2-40B4-BE49-F238E27FC236}">
+                <a16:creationId xmlns:a16="http://schemas.microsoft.com/office/drawing/2014/main" id="{B8D59296-1ED2-FC8D-6790-517E3E0B24C8}"/>
+              </a:ext>
+            </a:extLst>
+          </p:cNvPr>
+          <p:cNvGraphicFramePr/>
+          <p:nvPr>
+            <p:extLst>
+              <p:ext uri="{D42A27DB-BD31-4B8C-83A1-F6EECF244321}">
+                <p14:modId xmlns:p14="http://schemas.microsoft.com/office/powerpoint/2010/main" val="777309351"/>
+              </p:ext>
+            </p:extLst>
+          </p:nvPr>
+        </p:nvGraphicFramePr>
+        <p:xfrm>
+          <a:off x="323215" y="1104265"/>
+          <a:ext cx="8503920" cy="3646170"/>
+        </p:xfrm>
+        <a:graphic>
+          <a:graphicData uri="http://schemas.openxmlformats.org/drawingml/2006/table">
+            <a:tbl>
+              <a:tblPr firstRow="1" bandRow="1">
+                <a:tableStyleId>{5C22544A-7EE6-4342-B048-85BDC9FD1C3A}</a:tableStyleId>
+              </a:tblPr>
+              <a:tblGrid>
+                <a:gridCol w="1179830">
+                  <a:extLst>
+                    <a:ext uri="{9D8B030D-6E8A-4147-A177-3AD203B41FA5}">
+                      <a16:colId xmlns:a16="http://schemas.microsoft.com/office/drawing/2014/main" val="20000"/>
+                    </a:ext>
+                  </a:extLst>
+                </a:gridCol>
+                <a:gridCol w="3449955">
+                  <a:extLst>
+                    <a:ext uri="{9D8B030D-6E8A-4147-A177-3AD203B41FA5}">
+                      <a16:colId xmlns:a16="http://schemas.microsoft.com/office/drawing/2014/main" val="20001"/>
+                    </a:ext>
+                  </a:extLst>
+                </a:gridCol>
+                <a:gridCol w="3874135">
+                  <a:extLst>
+                    <a:ext uri="{9D8B030D-6E8A-4147-A177-3AD203B41FA5}">
+                      <a16:colId xmlns:a16="http://schemas.microsoft.com/office/drawing/2014/main" val="20002"/>
+                    </a:ext>
+                  </a:extLst>
+                </a:gridCol>
+              </a:tblGrid>
+              <a:tr h="246380">
+                <a:tc>
+                  <a:txBody>
+                    <a:bodyPr/>
+                    <a:lstStyle/>
+                    <a:p>
+                      <a:pPr algn="ctr">
+                        <a:buNone/>
+                      </a:pPr>
+                      <a:r>
+                        <a:rPr lang="en-US" sz="1000">
+                          <a:solidFill>
+                            <a:srgbClr val="FFFFFF"/>
+                          </a:solidFill>
+                        </a:rPr>
+                        <a:t>Name</a:t>
+                      </a:r>
+                    </a:p>
+                  </a:txBody>
+                  <a:tcPr/>
+                </a:tc>
+                <a:tc>
+                  <a:txBody>
+                    <a:bodyPr/>
+                    <a:lstStyle/>
+                    <a:p>
+                      <a:pPr algn="ctr">
+                        <a:buNone/>
+                      </a:pPr>
+                      <a:r>
+                        <a:rPr lang="en-US" sz="1000">
+                          <a:solidFill>
+                            <a:srgbClr val="FFFFFF"/>
+                          </a:solidFill>
+                        </a:rPr>
+                        <a:t>Current Work Style</a:t>
+                      </a:r>
+                    </a:p>
+                  </a:txBody>
+                  <a:tcPr/>
+                </a:tc>
+                <a:tc>
+                  <a:txBody>
+                    <a:bodyPr/>
+                    <a:lstStyle/>
+                    <a:p>
+                      <a:pPr algn="ctr">
+                        <a:buNone/>
+                      </a:pPr>
+                      <a:r>
+                        <a:rPr lang="en-US" sz="1000">
+                          <a:solidFill>
+                            <a:srgbClr val="FFFFFF"/>
+                          </a:solidFill>
+                          <a:sym typeface="+mn-ea"/>
+                        </a:rPr>
+                        <a:t> Skill Gaps</a:t>
+                      </a:r>
+                      <a:endParaRPr lang="en-US" sz="1000">
+                        <a:solidFill>
+                          <a:srgbClr val="FFFFFF"/>
+                        </a:solidFill>
+                      </a:endParaRPr>
+                    </a:p>
+                  </a:txBody>
+                  <a:tcPr/>
+                </a:tc>
+                <a:extLst>
+                  <a:ext uri="{0D108BD9-81ED-4DB2-BD59-A6C34878D82A}">
+                    <a16:rowId xmlns:a16="http://schemas.microsoft.com/office/drawing/2014/main" val="10000"/>
+                  </a:ext>
+                </a:extLst>
+              </a:tr>
+              <a:tr h="688340">
+                <a:tc>
+                  <a:txBody>
+                    <a:bodyPr/>
+                    <a:lstStyle/>
+                    <a:p>
+                      <a:pPr>
+                        <a:buNone/>
+                      </a:pPr>
+                      <a:r>
+                        <a:rPr lang="en-US" sz="1000"/>
+                        <a:t>Holly Vogt</a:t>
+                      </a:r>
+                    </a:p>
+                  </a:txBody>
+                  <a:tcPr/>
+                </a:tc>
+                <a:tc>
+                  <a:txBody>
+                    <a:bodyPr/>
+                    <a:lstStyle/>
+                    <a:p>
+                      <a:pPr>
+                        <a:buNone/>
+                      </a:pPr>
+                      <a:r>
+                        <a:rPr lang="en-US" sz="1000"/>
+                        <a:t>Holly prefers one-on-one interviews and calls with the Project Manager and Business Analyst to provide expert opinion and guidance.</a:t>
+                      </a:r>
+                    </a:p>
+                  </a:txBody>
+                  <a:tcPr/>
+                </a:tc>
+                <a:tc>
+                  <a:txBody>
+                    <a:bodyPr/>
+                    <a:lstStyle/>
+                    <a:p>
+                      <a:pPr>
+                        <a:buNone/>
+                      </a:pPr>
+                      <a:r>
+                        <a:rPr lang="en-US" sz="1000"/>
+                        <a:t>As she is a coach, the whole agile team and the devolopers needs her expertise. so instead of having calles with only the PM and the BA, she must contact the whole team</a:t>
+                      </a:r>
+                    </a:p>
+                  </a:txBody>
+                  <a:tcPr/>
+                </a:tc>
+                <a:extLst>
+                  <a:ext uri="{0D108BD9-81ED-4DB2-BD59-A6C34878D82A}">
+                    <a16:rowId xmlns:a16="http://schemas.microsoft.com/office/drawing/2014/main" val="10001"/>
+                  </a:ext>
+                </a:extLst>
+              </a:tr>
+              <a:tr h="396240">
+                <a:tc>
+                  <a:txBody>
+                    <a:bodyPr/>
+                    <a:lstStyle/>
+                    <a:p>
+                      <a:pPr>
+                        <a:buNone/>
+                      </a:pPr>
+                      <a:r>
+                        <a:rPr lang="en-US" sz="1000"/>
+                        <a:t>Jim Brady (USA)</a:t>
+                      </a:r>
+                    </a:p>
+                  </a:txBody>
+                  <a:tcPr/>
+                </a:tc>
+                <a:tc rowSpan="4">
+                  <a:txBody>
+                    <a:bodyPr/>
+                    <a:lstStyle/>
+                    <a:p>
+                      <a:pPr>
+                        <a:buNone/>
+                      </a:pPr>
+                      <a:r>
+                        <a:rPr lang="en-US" sz="1000"/>
+                        <a:t>The offshore developers are contractors who have more senior technical expertise; they are individually assigned the more complex project deliverables by the Project Manager. The less complex deliverables are individually assigned to the onshore developers by the Project Manager. There is no process to transfer knowledge from the offshore contractors to the onshore developers. There’s a lack of consistent coding standards.</a:t>
+                      </a:r>
+                    </a:p>
+                  </a:txBody>
+                  <a:tcPr/>
+                </a:tc>
+                <a:tc rowSpan="4">
+                  <a:txBody>
+                    <a:bodyPr/>
+                    <a:lstStyle/>
+                    <a:p>
+                      <a:pPr>
+                        <a:buNone/>
+                      </a:pPr>
+                      <a:r>
+                        <a:rPr lang="en-US" sz="1000"/>
+                        <a:t>the PM is creating is big risk here. first he is not following agile and he is not deviding work feairly. since there is no codding standers there is a chance where knowledge get lost when the offshore contractors leave. </a:t>
+                      </a:r>
+                    </a:p>
+                    <a:p>
+                      <a:pPr>
+                        <a:buNone/>
+                      </a:pPr>
+                      <a:r>
+                        <a:rPr lang="en-US" sz="1000"/>
+                        <a:t>he needs to let the team self manage, and everyone of them needs to follow one codding standers and lastly they should be sharing thier knowledge so we can avoide any chance of lossing the app. </a:t>
+                      </a:r>
+                    </a:p>
+                  </a:txBody>
+                  <a:tcPr/>
+                </a:tc>
+                <a:extLst>
+                  <a:ext uri="{0D108BD9-81ED-4DB2-BD59-A6C34878D82A}">
+                    <a16:rowId xmlns:a16="http://schemas.microsoft.com/office/drawing/2014/main" val="10002"/>
+                  </a:ext>
+                </a:extLst>
+              </a:tr>
+              <a:tr h="548640">
+                <a:tc>
+                  <a:txBody>
+                    <a:bodyPr/>
+                    <a:lstStyle/>
+                    <a:p>
+                      <a:pPr>
+                        <a:buNone/>
+                      </a:pPr>
+                      <a:r>
+                        <a:rPr lang="en-US" sz="1000"/>
+                        <a:t>Nathan Connor (USA)</a:t>
+                      </a:r>
+                    </a:p>
+                  </a:txBody>
+                  <a:tcPr/>
+                </a:tc>
+                <a:tc vMerge="1">
+                  <a:txBody>
+                    <a:bodyPr/>
+                    <a:lstStyle/>
+                    <a:p>
+                      <a:endParaRPr lang="en-US"/>
+                    </a:p>
+                  </a:txBody>
+                  <a:tcPr>
+                    <a:lnL w="12700">
+                      <a:solidFill>
+                        <a:srgbClr val="02B3E6"/>
+                      </a:solidFill>
+                      <a:prstDash val="sysDash"/>
+                    </a:lnL>
+                    <a:lnR w="12700">
+                      <a:solidFill>
+                        <a:srgbClr val="02B3E6"/>
+                      </a:solidFill>
+                      <a:prstDash val="sysDash"/>
+                    </a:lnR>
+                  </a:tcPr>
+                </a:tc>
+                <a:tc vMerge="1">
+                  <a:txBody>
+                    <a:bodyPr/>
+                    <a:lstStyle/>
+                    <a:p>
+                      <a:endParaRPr lang="en-US"/>
+                    </a:p>
+                  </a:txBody>
+                  <a:tcPr>
+                    <a:lnL w="12700">
+                      <a:solidFill>
+                        <a:srgbClr val="02B3E6"/>
+                      </a:solidFill>
+                      <a:prstDash val="sysDash"/>
+                    </a:lnL>
+                    <a:lnR w="12700">
+                      <a:solidFill>
+                        <a:schemeClr val="accent1"/>
+                      </a:solidFill>
+                      <a:prstDash val="solid"/>
+                    </a:lnR>
+                  </a:tcPr>
+                </a:tc>
+                <a:extLst>
+                  <a:ext uri="{0D108BD9-81ED-4DB2-BD59-A6C34878D82A}">
+                    <a16:rowId xmlns:a16="http://schemas.microsoft.com/office/drawing/2014/main" val="10003"/>
+                  </a:ext>
+                </a:extLst>
+              </a:tr>
+              <a:tr h="539115">
+                <a:tc>
+                  <a:txBody>
+                    <a:bodyPr/>
+                    <a:lstStyle/>
+                    <a:p>
+                      <a:pPr>
+                        <a:buNone/>
+                      </a:pPr>
+                      <a:r>
+                        <a:rPr lang="en-US" sz="1000"/>
+                        <a:t>Venkat Ragu (India)</a:t>
+                      </a:r>
+                    </a:p>
+                  </a:txBody>
+                  <a:tcPr/>
+                </a:tc>
+                <a:tc vMerge="1">
+                  <a:txBody>
+                    <a:bodyPr/>
+                    <a:lstStyle/>
+                    <a:p>
+                      <a:endParaRPr lang="en-US"/>
+                    </a:p>
+                  </a:txBody>
+                  <a:tcPr>
+                    <a:lnL w="12700">
+                      <a:solidFill>
+                        <a:srgbClr val="02B3E6"/>
+                      </a:solidFill>
+                      <a:prstDash val="sysDash"/>
+                    </a:lnL>
+                    <a:lnR w="12700">
+                      <a:solidFill>
+                        <a:srgbClr val="02B3E6"/>
+                      </a:solidFill>
+                      <a:prstDash val="sysDash"/>
+                    </a:lnR>
+                  </a:tcPr>
+                </a:tc>
+                <a:tc vMerge="1">
+                  <a:txBody>
+                    <a:bodyPr/>
+                    <a:lstStyle/>
+                    <a:p>
+                      <a:endParaRPr lang="en-US"/>
+                    </a:p>
+                  </a:txBody>
+                  <a:tcPr>
+                    <a:lnL w="12700">
+                      <a:solidFill>
+                        <a:srgbClr val="02B3E6"/>
+                      </a:solidFill>
+                      <a:prstDash val="sysDash"/>
+                    </a:lnL>
+                    <a:lnR w="12700">
+                      <a:solidFill>
+                        <a:schemeClr val="accent1"/>
+                      </a:solidFill>
+                      <a:prstDash val="solid"/>
+                    </a:lnR>
+                  </a:tcPr>
+                </a:tc>
+                <a:extLst>
+                  <a:ext uri="{0D108BD9-81ED-4DB2-BD59-A6C34878D82A}">
+                    <a16:rowId xmlns:a16="http://schemas.microsoft.com/office/drawing/2014/main" val="10004"/>
+                  </a:ext>
+                </a:extLst>
+              </a:tr>
+              <a:tr h="396240">
+                <a:tc>
+                  <a:txBody>
+                    <a:bodyPr/>
+                    <a:lstStyle/>
+                    <a:p>
+                      <a:pPr>
+                        <a:buNone/>
+                      </a:pPr>
+                      <a:r>
+                        <a:rPr lang="en-US" sz="1000"/>
+                        <a:t>Ali Khan (India)</a:t>
+                      </a:r>
+                    </a:p>
+                  </a:txBody>
+                  <a:tcPr/>
+                </a:tc>
+                <a:tc vMerge="1">
+                  <a:txBody>
+                    <a:bodyPr/>
+                    <a:lstStyle/>
+                    <a:p>
+                      <a:endParaRPr lang="en-US"/>
+                    </a:p>
+                  </a:txBody>
+                  <a:tcPr>
+                    <a:lnL w="12700">
+                      <a:solidFill>
+                        <a:srgbClr val="02B3E6"/>
+                      </a:solidFill>
+                      <a:prstDash val="sysDash"/>
+                    </a:lnL>
+                    <a:lnR w="12700">
+                      <a:solidFill>
+                        <a:srgbClr val="02B3E6"/>
+                      </a:solidFill>
+                      <a:prstDash val="sysDash"/>
+                    </a:lnR>
+                    <a:lnB w="12700">
+                      <a:solidFill>
+                        <a:srgbClr val="02B3E6"/>
+                      </a:solidFill>
+                      <a:prstDash val="sysDash"/>
+                    </a:lnB>
+                  </a:tcPr>
+                </a:tc>
+                <a:tc vMerge="1">
+                  <a:txBody>
+                    <a:bodyPr/>
+                    <a:lstStyle/>
+                    <a:p>
+                      <a:endParaRPr lang="en-US"/>
+                    </a:p>
+                  </a:txBody>
+                  <a:tcPr>
+                    <a:lnL w="12700">
+                      <a:solidFill>
+                        <a:srgbClr val="02B3E6"/>
+                      </a:solidFill>
+                      <a:prstDash val="sysDash"/>
+                    </a:lnL>
+                    <a:lnR w="12700">
+                      <a:solidFill>
+                        <a:schemeClr val="accent1"/>
+                      </a:solidFill>
+                      <a:prstDash val="solid"/>
+                    </a:lnR>
+                    <a:lnB w="12700">
+                      <a:solidFill>
+                        <a:srgbClr val="02B3E6"/>
+                      </a:solidFill>
+                      <a:prstDash val="sysDash"/>
+                    </a:lnB>
+                  </a:tcPr>
+                </a:tc>
+                <a:extLst>
+                  <a:ext uri="{0D108BD9-81ED-4DB2-BD59-A6C34878D82A}">
+                    <a16:rowId xmlns:a16="http://schemas.microsoft.com/office/drawing/2014/main" val="10005"/>
+                  </a:ext>
+                </a:extLst>
+              </a:tr>
+              <a:tr h="831215">
+                <a:tc>
+                  <a:txBody>
+                    <a:bodyPr/>
+                    <a:lstStyle/>
+                    <a:p>
+                      <a:pPr indent="0">
+                        <a:buNone/>
+                      </a:pPr>
+                      <a:r>
+                        <a:rPr lang="en-US" sz="1000"/>
+                        <a:t>Kathy Qualls</a:t>
+                      </a:r>
+                    </a:p>
+                  </a:txBody>
+                  <a:tcPr/>
+                </a:tc>
+                <a:tc>
+                  <a:txBody>
+                    <a:bodyPr/>
+                    <a:lstStyle/>
+                    <a:p>
+                      <a:pPr>
+                        <a:buNone/>
+                      </a:pPr>
+                      <a:r>
+                        <a:rPr lang="en-US" sz="1000"/>
+                        <a:t>Kathy steps into the process lifecycle once the code has been developed thoroughly. She likes to go through testing and provide full feedback to the Project Manager once she completes her testing cycle</a:t>
+                      </a:r>
+                    </a:p>
+                  </a:txBody>
+                  <a:tcPr/>
+                </a:tc>
+                <a:tc>
+                  <a:txBody>
+                    <a:bodyPr/>
+                    <a:lstStyle/>
+                    <a:p>
+                      <a:pPr>
+                        <a:buNone/>
+                      </a:pPr>
+                      <a:r>
+                        <a:rPr lang="en-US" sz="1000" dirty="0" err="1"/>
+                        <a:t>kethy</a:t>
+                      </a:r>
+                      <a:r>
+                        <a:rPr lang="en-US" sz="1000" dirty="0"/>
+                        <a:t> should be involved in the project from the </a:t>
+                      </a:r>
+                      <a:r>
+                        <a:rPr lang="en-US" sz="1000" dirty="0" err="1"/>
+                        <a:t>begining</a:t>
+                      </a:r>
+                      <a:r>
+                        <a:rPr lang="en-US" sz="1000" dirty="0"/>
+                        <a:t>. this is not a waterfall process where the testing phase is conducted last. the testing should be </a:t>
+                      </a:r>
+                      <a:r>
+                        <a:rPr lang="en-US" sz="1000" dirty="0" err="1"/>
+                        <a:t>cunducted</a:t>
+                      </a:r>
+                      <a:r>
+                        <a:rPr lang="en-US" sz="1000" dirty="0"/>
+                        <a:t> during each sprint. </a:t>
+                      </a:r>
+                    </a:p>
+                  </a:txBody>
+                  <a:tcPr/>
+                </a:tc>
+                <a:extLst>
+                  <a:ext uri="{0D108BD9-81ED-4DB2-BD59-A6C34878D82A}">
+                    <a16:rowId xmlns:a16="http://schemas.microsoft.com/office/drawing/2014/main" val="10006"/>
+                  </a:ext>
+                </a:extLst>
+              </a:tr>
+            </a:tbl>
+          </a:graphicData>
+        </a:graphic>
+      </p:graphicFrame>
+    </p:spTree>
+    <p:extLst>
+      <p:ext uri="{BB962C8B-B14F-4D97-AF65-F5344CB8AC3E}">
+        <p14:creationId xmlns:p14="http://schemas.microsoft.com/office/powerpoint/2010/main" val="703009220"/>
+      </p:ext>
+    </p:extLst>
+  </p:cSld>
+  <p:clrMapOvr>
+    <a:masterClrMapping/>
+  </p:clrMapOvr>
+</p:sld>
+</file>
+
+<file path=ppt/slides/slide12.xml><?xml version="1.0" encoding="utf-8"?>
 <p:sld xmlns:a="http://schemas.openxmlformats.org/drawingml/2006/main" xmlns:r="http://schemas.openxmlformats.org/officeDocument/2006/relationships" xmlns:p="http://schemas.openxmlformats.org/presentationml/2006/main">
   <p:cSld>
     <p:spTree>
@@ -23570,14 +23980,14 @@
           <p:nvPr>
             <p:extLst>
               <p:ext uri="{D42A27DB-BD31-4B8C-83A1-F6EECF244321}">
-                <p14:modId xmlns:p14="http://schemas.microsoft.com/office/powerpoint/2010/main" val="1672144876"/>
+                <p14:modId xmlns:p14="http://schemas.microsoft.com/office/powerpoint/2010/main" val="3890386501"/>
               </p:ext>
             </p:extLst>
           </p:nvPr>
         </p:nvGraphicFramePr>
         <p:xfrm>
           <a:off x="415089" y="1311442"/>
-          <a:ext cx="8398041" cy="3567702"/>
+          <a:ext cx="8235616" cy="3562082"/>
         </p:xfrm>
         <a:graphic>
           <a:graphicData uri="http://schemas.openxmlformats.org/drawingml/2006/table">
@@ -23586,43 +23996,50 @@
                 <a:tableStyleId>{5C22544A-7EE6-4342-B048-85BDC9FD1C3A}</a:tableStyleId>
               </a:tblPr>
               <a:tblGrid>
-                <a:gridCol w="2799347">
+                <a:gridCol w="1786690">
                   <a:extLst>
                     <a:ext uri="{9D8B030D-6E8A-4147-A177-3AD203B41FA5}">
                       <a16:colId xmlns:a16="http://schemas.microsoft.com/office/drawing/2014/main" val="1992945126"/>
                     </a:ext>
                   </a:extLst>
                 </a:gridCol>
-                <a:gridCol w="2799347">
+                <a:gridCol w="2112840">
                   <a:extLst>
                     <a:ext uri="{9D8B030D-6E8A-4147-A177-3AD203B41FA5}">
                       <a16:colId xmlns:a16="http://schemas.microsoft.com/office/drawing/2014/main" val="2465753574"/>
                     </a:ext>
                   </a:extLst>
                 </a:gridCol>
-                <a:gridCol w="2799347">
+                <a:gridCol w="2277182">
                   <a:extLst>
                     <a:ext uri="{9D8B030D-6E8A-4147-A177-3AD203B41FA5}">
                       <a16:colId xmlns:a16="http://schemas.microsoft.com/office/drawing/2014/main" val="710627815"/>
                     </a:ext>
                   </a:extLst>
                 </a:gridCol>
+                <a:gridCol w="2058904">
+                  <a:extLst>
+                    <a:ext uri="{9D8B030D-6E8A-4147-A177-3AD203B41FA5}">
+                      <a16:colId xmlns:a16="http://schemas.microsoft.com/office/drawing/2014/main" val="324564865"/>
+                    </a:ext>
+                  </a:extLst>
+                </a:gridCol>
               </a:tblGrid>
-              <a:tr h="182435">
+              <a:tr h="151403">
                 <a:tc>
                   <a:txBody>
                     <a:bodyPr/>
                     <a:lstStyle/>
                     <a:p>
                       <a:r>
-                        <a:rPr lang="en-US" sz="1050" b="1">
+                        <a:rPr lang="en-US" sz="900" b="1" dirty="0">
                           <a:solidFill>
                             <a:srgbClr val="000000"/>
                           </a:solidFill>
                         </a:rPr>
                         <a:t>Role</a:t>
                       </a:r>
-                      <a:endParaRPr lang="en-US" sz="1050">
+                      <a:endParaRPr lang="en-US" sz="900" dirty="0">
                         <a:solidFill>
                           <a:srgbClr val="000000"/>
                         </a:solidFill>
@@ -23637,14 +24054,14 @@
                     <a:lstStyle/>
                     <a:p>
                       <a:r>
-                        <a:rPr lang="en-US" sz="1050" b="1">
+                        <a:rPr lang="en-US" sz="900" b="1">
                           <a:solidFill>
                             <a:srgbClr val="000000"/>
                           </a:solidFill>
                         </a:rPr>
                         <a:t>Name</a:t>
                       </a:r>
-                      <a:endParaRPr lang="en-US" sz="1050">
+                      <a:endParaRPr lang="en-US" sz="900">
                         <a:solidFill>
                           <a:srgbClr val="000000"/>
                         </a:solidFill>
@@ -23659,43 +24076,14 @@
                     <a:lstStyle/>
                     <a:p>
                       <a:r>
-                        <a:rPr lang="en-US" sz="1050" b="1">
+                        <a:rPr lang="en-US" sz="900" b="1" dirty="0">
                           <a:solidFill>
                             <a:srgbClr val="000000"/>
                           </a:solidFill>
                         </a:rPr>
                         <a:t>Responsibility</a:t>
                       </a:r>
-                      <a:endParaRPr lang="en-US" sz="1050">
-                        <a:solidFill>
-                          <a:srgbClr val="000000"/>
-                        </a:solidFill>
-                      </a:endParaRPr>
-                    </a:p>
-                  </a:txBody>
-                  <a:tcPr marL="17098" marR="17098" marT="8549" marB="8549" anchor="ctr"/>
-                </a:tc>
-                <a:extLst>
-                  <a:ext uri="{0D108BD9-81ED-4DB2-BD59-A6C34878D82A}">
-                    <a16:rowId xmlns:a16="http://schemas.microsoft.com/office/drawing/2014/main" val="3336348186"/>
-                  </a:ext>
-                </a:extLst>
-              </a:tr>
-              <a:tr h="368208">
-                <a:tc>
-                  <a:txBody>
-                    <a:bodyPr/>
-                    <a:lstStyle/>
-                    <a:p>
-                      <a:r>
-                        <a:rPr lang="en-US" sz="1050" b="1">
-                          <a:solidFill>
-                            <a:srgbClr val="000000"/>
-                          </a:solidFill>
-                        </a:rPr>
-                        <a:t>Product Owner</a:t>
-                      </a:r>
-                      <a:endParaRPr lang="en-US" sz="1050">
+                      <a:endParaRPr lang="en-US" sz="900" dirty="0">
                         <a:solidFill>
                           <a:srgbClr val="000000"/>
                         </a:solidFill>
@@ -23710,7 +24098,53 @@
                     <a:lstStyle/>
                     <a:p>
                       <a:r>
-                        <a:rPr lang="en-US" sz="1050" dirty="0">
+                        <a:rPr lang="en-US" sz="900" dirty="0">
+                          <a:solidFill>
+                            <a:srgbClr val="000000"/>
+                          </a:solidFill>
+                        </a:rPr>
+                        <a:t>Key Soft Skills</a:t>
+                      </a:r>
+                    </a:p>
+                  </a:txBody>
+                  <a:tcPr marL="17098" marR="17098" marT="8549" marB="8549" anchor="ctr"/>
+                </a:tc>
+                <a:extLst>
+                  <a:ext uri="{0D108BD9-81ED-4DB2-BD59-A6C34878D82A}">
+                    <a16:rowId xmlns:a16="http://schemas.microsoft.com/office/drawing/2014/main" val="3336348186"/>
+                  </a:ext>
+                </a:extLst>
+              </a:tr>
+              <a:tr h="393620">
+                <a:tc>
+                  <a:txBody>
+                    <a:bodyPr/>
+                    <a:lstStyle/>
+                    <a:p>
+                      <a:r>
+                        <a:rPr lang="en-US" sz="900" b="1" dirty="0">
+                          <a:solidFill>
+                            <a:srgbClr val="000000"/>
+                          </a:solidFill>
+                        </a:rPr>
+                        <a:t>Product Owner</a:t>
+                      </a:r>
+                      <a:endParaRPr lang="en-US" sz="900" dirty="0">
+                        <a:solidFill>
+                          <a:srgbClr val="000000"/>
+                        </a:solidFill>
+                      </a:endParaRPr>
+                    </a:p>
+                  </a:txBody>
+                  <a:tcPr marL="17098" marR="17098" marT="8549" marB="8549" anchor="ctr"/>
+                </a:tc>
+                <a:tc>
+                  <a:txBody>
+                    <a:bodyPr/>
+                    <a:lstStyle/>
+                    <a:p>
+                      <a:r>
+                        <a:rPr lang="en-US" sz="900" dirty="0">
                           <a:solidFill>
                             <a:srgbClr val="000000"/>
                           </a:solidFill>
@@ -23727,12 +24161,29 @@
                     <a:lstStyle/>
                     <a:p>
                       <a:r>
-                        <a:rPr lang="en-US" sz="1050">
+                        <a:rPr lang="en-US" sz="900">
                           <a:solidFill>
                             <a:srgbClr val="000000"/>
                           </a:solidFill>
                         </a:rPr>
                         <a:t>Owns the product backlog, defines priorities, gathers feedback from stakeholders and users</a:t>
+                      </a:r>
+                    </a:p>
+                  </a:txBody>
+                  <a:tcPr marL="17098" marR="17098" marT="8549" marB="8549" anchor="ctr"/>
+                </a:tc>
+                <a:tc>
+                  <a:txBody>
+                    <a:bodyPr/>
+                    <a:lstStyle/>
+                    <a:p>
+                      <a:r>
+                        <a:rPr lang="en-US" sz="900" dirty="0">
+                          <a:solidFill>
+                            <a:srgbClr val="000000"/>
+                          </a:solidFill>
+                        </a:rPr>
+                        <a:t>Communication, Stakeholder Management, Decision-Making, Strategic Thinking</a:t>
                       </a:r>
                     </a:p>
                   </a:txBody>
@@ -23744,21 +24195,21 @@
                   </a:ext>
                 </a:extLst>
               </a:tr>
-              <a:tr h="510499">
+              <a:tr h="423664">
                 <a:tc>
                   <a:txBody>
                     <a:bodyPr/>
                     <a:lstStyle/>
                     <a:p>
                       <a:r>
-                        <a:rPr lang="en-US" sz="1050" b="1">
+                        <a:rPr lang="en-US" sz="900" b="1">
                           <a:solidFill>
                             <a:srgbClr val="000000"/>
                           </a:solidFill>
                         </a:rPr>
                         <a:t>Scrum Master</a:t>
                       </a:r>
-                      <a:endParaRPr lang="en-US" sz="1050">
+                      <a:endParaRPr lang="en-US" sz="900">
                         <a:solidFill>
                           <a:srgbClr val="000000"/>
                         </a:solidFill>
@@ -23773,7 +24224,7 @@
                     <a:lstStyle/>
                     <a:p>
                       <a:r>
-                        <a:rPr lang="en-US" sz="1050" dirty="0">
+                        <a:rPr lang="en-US" sz="900" dirty="0">
                           <a:solidFill>
                             <a:srgbClr val="000000"/>
                           </a:solidFill>
@@ -23790,12 +24241,29 @@
                     <a:lstStyle/>
                     <a:p>
                       <a:r>
-                        <a:rPr lang="en-US" sz="1050">
+                        <a:rPr lang="en-US" sz="900">
                           <a:solidFill>
                             <a:srgbClr val="000000"/>
                           </a:solidFill>
                         </a:rPr>
                         <a:t>Facilitates Scrum ceremonies, removes impediments, promotes Agile values and team collaboration</a:t>
+                      </a:r>
+                    </a:p>
+                  </a:txBody>
+                  <a:tcPr marL="17098" marR="17098" marT="8549" marB="8549" anchor="ctr"/>
+                </a:tc>
+                <a:tc>
+                  <a:txBody>
+                    <a:bodyPr/>
+                    <a:lstStyle/>
+                    <a:p>
+                      <a:r>
+                        <a:rPr lang="en-US" sz="900" dirty="0">
+                          <a:solidFill>
+                            <a:srgbClr val="000000"/>
+                          </a:solidFill>
+                        </a:rPr>
+                        <a:t>Servant Leadership, Empathy, Conflict Resolution, Coaching</a:t>
                       </a:r>
                     </a:p>
                   </a:txBody>
@@ -23807,21 +24275,31 @@
                   </a:ext>
                 </a:extLst>
               </a:tr>
-              <a:tr h="536570">
+              <a:tr h="520097">
                 <a:tc>
                   <a:txBody>
                     <a:bodyPr/>
                     <a:lstStyle/>
                     <a:p>
                       <a:r>
-                        <a:rPr lang="en-US" sz="1050" b="1">
+                        <a:rPr lang="en-US" sz="900" b="1" dirty="0">
                           <a:solidFill>
                             <a:srgbClr val="000000"/>
                           </a:solidFill>
                         </a:rPr>
                         <a:t>Scrum Team</a:t>
                       </a:r>
-                      <a:endParaRPr lang="en-US" sz="1050">
+                    </a:p>
+                    <a:p>
+                      <a:r>
+                        <a:rPr lang="en-US" sz="900" b="1" dirty="0">
+                          <a:solidFill>
+                            <a:srgbClr val="000000"/>
+                          </a:solidFill>
+                        </a:rPr>
+                        <a:t>Developers (2 Onshore, 2 Offshore)</a:t>
+                      </a:r>
+                      <a:endParaRPr lang="en-US" sz="900" dirty="0">
                         <a:solidFill>
                           <a:srgbClr val="000000"/>
                         </a:solidFill>
@@ -23836,12 +24314,12 @@
                     <a:lstStyle/>
                     <a:p>
                       <a:r>
-                        <a:rPr lang="en-US" sz="1050" dirty="0">
+                        <a:rPr lang="en-US" sz="900" dirty="0">
                           <a:solidFill>
                             <a:srgbClr val="000000"/>
                           </a:solidFill>
                         </a:rPr>
-                        <a:t>Jim Brady, Nathan Connor, Venkat Ragu, Ali Khan</a:t>
+                        <a:t>Jim Brady(USA), Nathan Connor(USA), Venkat Ragu(INDIA), Ali Khan(INDIA)</a:t>
                       </a:r>
                     </a:p>
                   </a:txBody>
@@ -23853,12 +24331,29 @@
                     <a:lstStyle/>
                     <a:p>
                       <a:r>
-                        <a:rPr lang="en-US" sz="1050">
+                        <a:rPr lang="en-US" sz="900">
                           <a:solidFill>
                             <a:srgbClr val="000000"/>
                           </a:solidFill>
                         </a:rPr>
                         <a:t>Builds the product increment collaboratively, follows coding standards and practices (XP), participates in sprint planning and reviews</a:t>
+                      </a:r>
+                    </a:p>
+                  </a:txBody>
+                  <a:tcPr marL="17098" marR="17098" marT="8549" marB="8549" anchor="ctr"/>
+                </a:tc>
+                <a:tc>
+                  <a:txBody>
+                    <a:bodyPr/>
+                    <a:lstStyle/>
+                    <a:p>
+                      <a:r>
+                        <a:rPr lang="en-US" sz="900" dirty="0">
+                          <a:solidFill>
+                            <a:srgbClr val="000000"/>
+                          </a:solidFill>
+                        </a:rPr>
+                        <a:t>Collaboration, Problem Solving, Adaptability, Accountability</a:t>
                       </a:r>
                     </a:p>
                   </a:txBody>
@@ -23870,21 +24365,21 @@
                   </a:ext>
                 </a:extLst>
               </a:tr>
-              <a:tr h="368208">
+              <a:tr h="393620">
                 <a:tc>
                   <a:txBody>
                     <a:bodyPr/>
                     <a:lstStyle/>
                     <a:p>
                       <a:r>
-                        <a:rPr lang="en-US" sz="1050" b="1">
+                        <a:rPr lang="en-US" sz="900" b="1" dirty="0">
                           <a:solidFill>
                             <a:srgbClr val="000000"/>
                           </a:solidFill>
                         </a:rPr>
                         <a:t>Tester</a:t>
                       </a:r>
-                      <a:endParaRPr lang="en-US" sz="1050">
+                      <a:endParaRPr lang="en-US" sz="900" dirty="0">
                         <a:solidFill>
                           <a:srgbClr val="000000"/>
                         </a:solidFill>
@@ -23899,7 +24394,7 @@
                     <a:lstStyle/>
                     <a:p>
                       <a:r>
-                        <a:rPr lang="en-US" sz="1050">
+                        <a:rPr lang="en-US" sz="900" dirty="0">
                           <a:solidFill>
                             <a:srgbClr val="000000"/>
                           </a:solidFill>
@@ -23916,12 +24411,29 @@
                     <a:lstStyle/>
                     <a:p>
                       <a:r>
-                        <a:rPr lang="en-US" sz="1050">
+                        <a:rPr lang="en-US" sz="900">
                           <a:solidFill>
                             <a:srgbClr val="000000"/>
                           </a:solidFill>
                         </a:rPr>
                         <a:t>Conducts continuous and early testing, integrates shift-left practices, ensures quality</a:t>
+                      </a:r>
+                    </a:p>
+                  </a:txBody>
+                  <a:tcPr marL="17098" marR="17098" marT="8549" marB="8549" anchor="ctr"/>
+                </a:tc>
+                <a:tc>
+                  <a:txBody>
+                    <a:bodyPr/>
+                    <a:lstStyle/>
+                    <a:p>
+                      <a:r>
+                        <a:rPr lang="en-US" sz="900" dirty="0">
+                          <a:solidFill>
+                            <a:srgbClr val="000000"/>
+                          </a:solidFill>
+                        </a:rPr>
+                        <a:t>Attention to Detail, Critical Thinking, Curiosity, Communication</a:t>
                       </a:r>
                     </a:p>
                   </a:txBody>
@@ -23933,21 +24445,21 @@
                   </a:ext>
                 </a:extLst>
               </a:tr>
-              <a:tr h="368208">
+              <a:tr h="305576">
                 <a:tc>
                   <a:txBody>
                     <a:bodyPr/>
                     <a:lstStyle/>
                     <a:p>
                       <a:r>
-                        <a:rPr lang="en-US" sz="1050" b="1">
+                        <a:rPr lang="en-US" sz="900" b="1" dirty="0">
                           <a:solidFill>
                             <a:srgbClr val="000000"/>
                           </a:solidFill>
                         </a:rPr>
-                        <a:t>Business Analyst</a:t>
+                        <a:t>Agile Team member (Business Analyst)</a:t>
                       </a:r>
-                      <a:endParaRPr lang="en-US" sz="1050">
+                      <a:endParaRPr lang="en-US" sz="900" dirty="0">
                         <a:solidFill>
                           <a:srgbClr val="000000"/>
                         </a:solidFill>
@@ -23962,7 +24474,7 @@
                     <a:lstStyle/>
                     <a:p>
                       <a:r>
-                        <a:rPr lang="en-US" sz="1050">
+                        <a:rPr lang="en-US" sz="900">
                           <a:solidFill>
                             <a:srgbClr val="000000"/>
                           </a:solidFill>
@@ -23979,12 +24491,29 @@
                     <a:lstStyle/>
                     <a:p>
                       <a:r>
-                        <a:rPr lang="en-US" sz="1050">
+                        <a:rPr lang="en-US" sz="900" dirty="0">
                           <a:solidFill>
                             <a:srgbClr val="000000"/>
                           </a:solidFill>
                         </a:rPr>
                         <a:t>Supports backlog refinement, translates business requirements into user stories</a:t>
+                      </a:r>
+                    </a:p>
+                  </a:txBody>
+                  <a:tcPr marL="17098" marR="17098" marT="8549" marB="8549" anchor="ctr"/>
+                </a:tc>
+                <a:tc>
+                  <a:txBody>
+                    <a:bodyPr/>
+                    <a:lstStyle/>
+                    <a:p>
+                      <a:r>
+                        <a:rPr lang="en-US" sz="900" dirty="0">
+                          <a:solidFill>
+                            <a:srgbClr val="000000"/>
+                          </a:solidFill>
+                        </a:rPr>
+                        <a:t>Analytical Thinking, Communication, Facilitation, Domain Knowledge</a:t>
                       </a:r>
                     </a:p>
                   </a:txBody>
@@ -23996,21 +24525,21 @@
                   </a:ext>
                 </a:extLst>
               </a:tr>
-              <a:tr h="368208">
+              <a:tr h="393620">
                 <a:tc>
                   <a:txBody>
                     <a:bodyPr/>
                     <a:lstStyle/>
                     <a:p>
                       <a:r>
-                        <a:rPr lang="en-US" sz="1050" b="1">
+                        <a:rPr lang="en-US" sz="900" b="1" dirty="0">
                           <a:solidFill>
                             <a:srgbClr val="000000"/>
                           </a:solidFill>
                         </a:rPr>
-                        <a:t>UX Designer</a:t>
+                        <a:t> Agile Team member (UX Designer)</a:t>
                       </a:r>
-                      <a:endParaRPr lang="en-US" sz="1050">
+                      <a:endParaRPr lang="en-US" sz="900" dirty="0">
                         <a:solidFill>
                           <a:srgbClr val="000000"/>
                         </a:solidFill>
@@ -24025,55 +24554,22 @@
                     <a:lstStyle/>
                     <a:p>
                       <a:r>
-                        <a:rPr lang="en-US" sz="1050">
+                        <a:rPr lang="en-US" sz="900" dirty="0">
                           <a:solidFill>
                             <a:srgbClr val="000000"/>
                           </a:solidFill>
                         </a:rPr>
-                        <a:t>James Cowx</a:t>
+                        <a:t>James </a:t>
                       </a:r>
-                    </a:p>
-                  </a:txBody>
-                  <a:tcPr marL="17098" marR="17098" marT="8549" marB="8549" anchor="ctr"/>
-                </a:tc>
-                <a:tc>
-                  <a:txBody>
-                    <a:bodyPr/>
-                    <a:lstStyle/>
-                    <a:p>
                       <a:r>
-                        <a:rPr lang="en-US" sz="1050">
+                        <a:rPr lang="en-US" sz="900" dirty="0" err="1">
                           <a:solidFill>
                             <a:srgbClr val="000000"/>
                           </a:solidFill>
                         </a:rPr>
-                        <a:t>Collaborates early in design cycles, gathers user feedback, supports iterative UI/UX updates</a:t>
+                        <a:t>Cowx</a:t>
                       </a:r>
-                    </a:p>
-                  </a:txBody>
-                  <a:tcPr marL="17098" marR="17098" marT="8549" marB="8549" anchor="ctr"/>
-                </a:tc>
-                <a:extLst>
-                  <a:ext uri="{0D108BD9-81ED-4DB2-BD59-A6C34878D82A}">
-                    <a16:rowId xmlns:a16="http://schemas.microsoft.com/office/drawing/2014/main" val="4115879805"/>
-                  </a:ext>
-                </a:extLst>
-              </a:tr>
-              <a:tr h="368208">
-                <a:tc>
-                  <a:txBody>
-                    <a:bodyPr/>
-                    <a:lstStyle/>
-                    <a:p>
-                      <a:r>
-                        <a:rPr lang="en-US" sz="1050" b="1">
-                          <a:solidFill>
-                            <a:srgbClr val="000000"/>
-                          </a:solidFill>
-                        </a:rPr>
-                        <a:t>Subject Matter Expert</a:t>
-                      </a:r>
-                      <a:endParaRPr lang="en-US" sz="1050">
+                      <a:endParaRPr lang="en-US" sz="900" dirty="0">
                         <a:solidFill>
                           <a:srgbClr val="000000"/>
                         </a:solidFill>
@@ -24088,7 +24584,70 @@
                     <a:lstStyle/>
                     <a:p>
                       <a:r>
-                        <a:rPr lang="en-US" sz="1050">
+                        <a:rPr lang="en-US" sz="900">
+                          <a:solidFill>
+                            <a:srgbClr val="000000"/>
+                          </a:solidFill>
+                        </a:rPr>
+                        <a:t>Collaborates early in design cycles, gathers user feedback, supports iterative UI/UX updates</a:t>
+                      </a:r>
+                    </a:p>
+                  </a:txBody>
+                  <a:tcPr marL="17098" marR="17098" marT="8549" marB="8549" anchor="ctr"/>
+                </a:tc>
+                <a:tc>
+                  <a:txBody>
+                    <a:bodyPr/>
+                    <a:lstStyle/>
+                    <a:p>
+                      <a:r>
+                        <a:rPr lang="en-US" sz="900" dirty="0">
+                          <a:solidFill>
+                            <a:srgbClr val="000000"/>
+                          </a:solidFill>
+                        </a:rPr>
+                        <a:t>Creativity, Empathy, User-Centered Thinking, Active Listening</a:t>
+                      </a:r>
+                    </a:p>
+                  </a:txBody>
+                  <a:tcPr marL="17098" marR="17098" marT="8549" marB="8549" anchor="ctr"/>
+                </a:tc>
+                <a:extLst>
+                  <a:ext uri="{0D108BD9-81ED-4DB2-BD59-A6C34878D82A}">
+                    <a16:rowId xmlns:a16="http://schemas.microsoft.com/office/drawing/2014/main" val="4115879805"/>
+                  </a:ext>
+                </a:extLst>
+              </a:tr>
+              <a:tr h="393620">
+                <a:tc>
+                  <a:txBody>
+                    <a:bodyPr/>
+                    <a:lstStyle/>
+                    <a:p>
+                      <a:r>
+                        <a:rPr lang="en-US" sz="900" b="1" dirty="0">
+                          <a:solidFill>
+                            <a:srgbClr val="000000"/>
+                          </a:solidFill>
+                        </a:rPr>
+                        <a:t>Agile Team member (Subject Matter Expert/Coach)</a:t>
+                      </a:r>
+                      <a:endParaRPr lang="en-US" sz="900" dirty="0">
+                        <a:solidFill>
+                          <a:srgbClr val="000000"/>
+                        </a:solidFill>
+                      </a:endParaRPr>
+                    </a:p>
+                  </a:txBody>
+                  <a:tcPr marL="17098" marR="17098" marT="8549" marB="8549" anchor="ctr"/>
+                </a:tc>
+                <a:tc>
+                  <a:txBody>
+                    <a:bodyPr/>
+                    <a:lstStyle/>
+                    <a:p>
+                      <a:r>
+                        <a:rPr lang="en-US" sz="900">
                           <a:solidFill>
                             <a:srgbClr val="000000"/>
                           </a:solidFill>
@@ -24105,12 +24664,29 @@
                     <a:lstStyle/>
                     <a:p>
                       <a:r>
-                        <a:rPr lang="en-US" sz="1050">
+                        <a:rPr lang="en-US" sz="900">
                           <a:solidFill>
                             <a:srgbClr val="000000"/>
                           </a:solidFill>
                         </a:rPr>
                         <a:t>Provides domain expertise, participates in sprint reviews and refinement sessions</a:t>
+                      </a:r>
+                    </a:p>
+                  </a:txBody>
+                  <a:tcPr marL="17098" marR="17098" marT="8549" marB="8549" anchor="ctr"/>
+                </a:tc>
+                <a:tc>
+                  <a:txBody>
+                    <a:bodyPr/>
+                    <a:lstStyle/>
+                    <a:p>
+                      <a:r>
+                        <a:rPr lang="en-US" sz="900" dirty="0">
+                          <a:solidFill>
+                            <a:srgbClr val="000000"/>
+                          </a:solidFill>
+                        </a:rPr>
+                        <a:t>Mentoring, Patience, Deep Knowledge, Influence Without Authority</a:t>
                       </a:r>
                     </a:p>
                   </a:txBody>
@@ -24122,21 +24698,21 @@
                   </a:ext>
                 </a:extLst>
               </a:tr>
-              <a:tr h="368208">
+              <a:tr h="393620">
                 <a:tc>
                   <a:txBody>
                     <a:bodyPr/>
                     <a:lstStyle/>
                     <a:p>
                       <a:r>
-                        <a:rPr lang="en-US" sz="1050" b="1" dirty="0">
+                        <a:rPr lang="en-US" sz="900" b="1" dirty="0">
                           <a:solidFill>
                             <a:srgbClr val="000000"/>
                           </a:solidFill>
                         </a:rPr>
                         <a:t>Stakeholders</a:t>
                       </a:r>
-                      <a:endParaRPr lang="en-US" sz="1050" dirty="0">
+                      <a:endParaRPr lang="en-US" sz="900" dirty="0">
                         <a:solidFill>
                           <a:srgbClr val="000000"/>
                         </a:solidFill>
@@ -24151,7 +24727,7 @@
                     <a:lstStyle/>
                     <a:p>
                       <a:r>
-                        <a:rPr lang="en-US" sz="1050">
+                        <a:rPr lang="en-US" sz="900">
                           <a:solidFill>
                             <a:srgbClr val="000000"/>
                           </a:solidFill>
@@ -24168,12 +24744,29 @@
                     <a:lstStyle/>
                     <a:p>
                       <a:r>
-                        <a:rPr lang="en-US" sz="1050" dirty="0">
+                        <a:rPr lang="en-US" sz="900" dirty="0">
                           <a:solidFill>
                             <a:srgbClr val="000000"/>
                           </a:solidFill>
                         </a:rPr>
                         <a:t>Provide feedback on increment, validate roadmap alignment and ROI expectations</a:t>
+                      </a:r>
+                    </a:p>
+                  </a:txBody>
+                  <a:tcPr marL="17098" marR="17098" marT="8549" marB="8549" anchor="ctr"/>
+                </a:tc>
+                <a:tc>
+                  <a:txBody>
+                    <a:bodyPr/>
+                    <a:lstStyle/>
+                    <a:p>
+                      <a:r>
+                        <a:rPr lang="en-US" sz="900" dirty="0">
+                          <a:solidFill>
+                            <a:srgbClr val="000000"/>
+                          </a:solidFill>
+                        </a:rPr>
+                        <a:t>Vision Alignment, Constructive Feedback, Active Listening, Strategic Insight</a:t>
                       </a:r>
                     </a:p>
                   </a:txBody>
